--- a/03-Patterns.pptx
+++ b/03-Patterns.pptx
@@ -154,7 +154,7 @@
   </p:defaultTextStyle>
   <p:extLst>
     <p:ext uri="{EFAFB233-063F-42B5-8137-9DF3F51BA10A}">
-      <p15:sldGuideLst xmlns:p15="http://schemas.microsoft.com/office/powerpoint/2012/main" xmlns="">
+      <p15:sldGuideLst xmlns="" xmlns:p15="http://schemas.microsoft.com/office/powerpoint/2012/main">
         <p15:guide id="1" orient="horz" pos="2160">
           <p15:clr>
             <a:srgbClr val="A4A3A4"/>
@@ -1225,540 +1225,6 @@
       <dsp:cNvGrpSpPr/>
     </dsp:nvGrpSpPr>
     <dsp:grpSpPr/>
-    <dsp:sp modelId="{A9873CE5-900B-4A1D-B7B6-150CD0348168}">
-      <dsp:nvSpPr>
-        <dsp:cNvPr id="0" name=""/>
-        <dsp:cNvSpPr/>
-      </dsp:nvSpPr>
-      <dsp:spPr>
-        <a:xfrm>
-          <a:off x="3377431" y="342"/>
-          <a:ext cx="1474737" cy="1474737"/>
-        </a:xfrm>
-        <a:prstGeom prst="ellipse">
-          <a:avLst/>
-        </a:prstGeom>
-        <a:gradFill rotWithShape="0">
-          <a:gsLst>
-            <a:gs pos="0">
-              <a:schemeClr val="accent1">
-                <a:hueOff val="0"/>
-                <a:satOff val="0"/>
-                <a:lumOff val="0"/>
-                <a:alphaOff val="0"/>
-                <a:tint val="50000"/>
-                <a:satMod val="300000"/>
-              </a:schemeClr>
-            </a:gs>
-            <a:gs pos="35000">
-              <a:schemeClr val="accent1">
-                <a:hueOff val="0"/>
-                <a:satOff val="0"/>
-                <a:lumOff val="0"/>
-                <a:alphaOff val="0"/>
-                <a:tint val="37000"/>
-                <a:satMod val="300000"/>
-              </a:schemeClr>
-            </a:gs>
-            <a:gs pos="100000">
-              <a:schemeClr val="accent1">
-                <a:hueOff val="0"/>
-                <a:satOff val="0"/>
-                <a:lumOff val="0"/>
-                <a:alphaOff val="0"/>
-                <a:tint val="15000"/>
-                <a:satMod val="350000"/>
-              </a:schemeClr>
-            </a:gs>
-          </a:gsLst>
-          <a:lin ang="16200000" scaled="1"/>
-        </a:gradFill>
-        <a:ln>
-          <a:noFill/>
-        </a:ln>
-        <a:effectLst>
-          <a:outerShdw blurRad="40000" dist="20000" dir="5400000" rotWithShape="0">
-            <a:srgbClr val="000000">
-              <a:alpha val="38000"/>
-            </a:srgbClr>
-          </a:outerShdw>
-        </a:effectLst>
-        <a:scene3d>
-          <a:camera prst="orthographicFront"/>
-          <a:lightRig rig="flat" dir="t"/>
-        </a:scene3d>
-        <a:sp3d prstMaterial="dkEdge">
-          <a:bevelT w="8200" h="38100"/>
-        </a:sp3d>
-      </dsp:spPr>
-      <dsp:style>
-        <a:lnRef idx="0">
-          <a:scrgbClr r="0" g="0" b="0"/>
-        </a:lnRef>
-        <a:fillRef idx="2">
-          <a:scrgbClr r="0" g="0" b="0"/>
-        </a:fillRef>
-        <a:effectRef idx="1">
-          <a:scrgbClr r="0" g="0" b="0"/>
-        </a:effectRef>
-        <a:fontRef idx="minor">
-          <a:schemeClr val="dk1"/>
-        </a:fontRef>
-      </dsp:style>
-      <dsp:txBody>
-        <a:bodyPr spcFirstLastPara="0" vert="horz" wrap="square" lIns="24130" tIns="24130" rIns="24130" bIns="24130" numCol="1" spcCol="1270" anchor="ctr" anchorCtr="0">
-          <a:noAutofit/>
-        </a:bodyPr>
-        <a:lstStyle/>
-        <a:p>
-          <a:pPr lvl="0" algn="ctr" defTabSz="844550">
-            <a:lnSpc>
-              <a:spcPct val="90000"/>
-            </a:lnSpc>
-            <a:spcBef>
-              <a:spcPct val="0"/>
-            </a:spcBef>
-            <a:spcAft>
-              <a:spcPct val="35000"/>
-            </a:spcAft>
-          </a:pPr>
-          <a:r>
-            <a:rPr lang="en-US" sz="1900" kern="1200" dirty="0" smtClean="0"/>
-            <a:t>Pending</a:t>
-          </a:r>
-          <a:endParaRPr lang="en-US" sz="1900" kern="1200" dirty="0"/>
-        </a:p>
-      </dsp:txBody>
-      <dsp:txXfrm>
-        <a:off x="3593401" y="216312"/>
-        <a:ext cx="1042797" cy="1042797"/>
-      </dsp:txXfrm>
-    </dsp:sp>
-    <dsp:sp modelId="{8E83AACC-B153-46D9-8255-9F790BC30C8D}">
-      <dsp:nvSpPr>
-        <dsp:cNvPr id="0" name=""/>
-        <dsp:cNvSpPr/>
-      </dsp:nvSpPr>
-      <dsp:spPr>
-        <a:xfrm rot="3600000">
-          <a:off x="4466807" y="1438745"/>
-          <a:ext cx="392830" cy="497724"/>
-        </a:xfrm>
-        <a:prstGeom prst="rightArrow">
-          <a:avLst>
-            <a:gd name="adj1" fmla="val 60000"/>
-            <a:gd name="adj2" fmla="val 50000"/>
-          </a:avLst>
-        </a:prstGeom>
-        <a:solidFill>
-          <a:srgbClr val="FFC000"/>
-        </a:solidFill>
-        <a:ln>
-          <a:noFill/>
-        </a:ln>
-        <a:effectLst>
-          <a:outerShdw blurRad="40000" dist="20000" dir="5400000" rotWithShape="0">
-            <a:srgbClr val="000000">
-              <a:alpha val="38000"/>
-            </a:srgbClr>
-          </a:outerShdw>
-        </a:effectLst>
-      </dsp:spPr>
-      <dsp:style>
-        <a:lnRef idx="0">
-          <a:scrgbClr r="0" g="0" b="0"/>
-        </a:lnRef>
-        <a:fillRef idx="2">
-          <a:scrgbClr r="0" g="0" b="0"/>
-        </a:fillRef>
-        <a:effectRef idx="1">
-          <a:scrgbClr r="0" g="0" b="0"/>
-        </a:effectRef>
-        <a:fontRef idx="minor">
-          <a:schemeClr val="dk1"/>
-        </a:fontRef>
-      </dsp:style>
-      <dsp:txBody>
-        <a:bodyPr spcFirstLastPara="0" vert="horz" wrap="square" lIns="0" tIns="0" rIns="0" bIns="0" numCol="1" spcCol="1270" anchor="ctr" anchorCtr="0">
-          <a:noAutofit/>
-        </a:bodyPr>
-        <a:lstStyle/>
-        <a:p>
-          <a:pPr lvl="0" algn="ctr" defTabSz="711200">
-            <a:lnSpc>
-              <a:spcPct val="90000"/>
-            </a:lnSpc>
-            <a:spcBef>
-              <a:spcPct val="0"/>
-            </a:spcBef>
-            <a:spcAft>
-              <a:spcPct val="35000"/>
-            </a:spcAft>
-          </a:pPr>
-          <a:endParaRPr lang="en-US" sz="1600" kern="1200"/>
-        </a:p>
-      </dsp:txBody>
-      <dsp:txXfrm>
-        <a:off x="4496269" y="1487260"/>
-        <a:ext cx="274981" cy="298634"/>
-      </dsp:txXfrm>
-    </dsp:sp>
-    <dsp:sp modelId="{12265EBA-9214-4B6D-85A3-F35EC9BD84B7}">
-      <dsp:nvSpPr>
-        <dsp:cNvPr id="0" name=""/>
-        <dsp:cNvSpPr/>
-      </dsp:nvSpPr>
-      <dsp:spPr>
-        <a:xfrm>
-          <a:off x="4485394" y="1919391"/>
-          <a:ext cx="1474737" cy="1474737"/>
-        </a:xfrm>
-        <a:prstGeom prst="ellipse">
-          <a:avLst/>
-        </a:prstGeom>
-        <a:gradFill rotWithShape="0">
-          <a:gsLst>
-            <a:gs pos="0">
-              <a:schemeClr val="accent1">
-                <a:hueOff val="0"/>
-                <a:satOff val="0"/>
-                <a:lumOff val="0"/>
-                <a:alphaOff val="0"/>
-                <a:tint val="50000"/>
-                <a:satMod val="300000"/>
-              </a:schemeClr>
-            </a:gs>
-            <a:gs pos="35000">
-              <a:schemeClr val="accent1">
-                <a:hueOff val="0"/>
-                <a:satOff val="0"/>
-                <a:lumOff val="0"/>
-                <a:alphaOff val="0"/>
-                <a:tint val="37000"/>
-                <a:satMod val="300000"/>
-              </a:schemeClr>
-            </a:gs>
-            <a:gs pos="100000">
-              <a:schemeClr val="accent1">
-                <a:hueOff val="0"/>
-                <a:satOff val="0"/>
-                <a:lumOff val="0"/>
-                <a:alphaOff val="0"/>
-                <a:tint val="15000"/>
-                <a:satMod val="350000"/>
-              </a:schemeClr>
-            </a:gs>
-          </a:gsLst>
-          <a:lin ang="16200000" scaled="1"/>
-        </a:gradFill>
-        <a:ln>
-          <a:noFill/>
-        </a:ln>
-        <a:effectLst>
-          <a:outerShdw blurRad="40000" dist="20000" dir="5400000" rotWithShape="0">
-            <a:srgbClr val="000000">
-              <a:alpha val="38000"/>
-            </a:srgbClr>
-          </a:outerShdw>
-        </a:effectLst>
-        <a:scene3d>
-          <a:camera prst="orthographicFront"/>
-          <a:lightRig rig="flat" dir="t"/>
-        </a:scene3d>
-        <a:sp3d prstMaterial="dkEdge">
-          <a:bevelT w="8200" h="38100"/>
-        </a:sp3d>
-      </dsp:spPr>
-      <dsp:style>
-        <a:lnRef idx="0">
-          <a:scrgbClr r="0" g="0" b="0"/>
-        </a:lnRef>
-        <a:fillRef idx="2">
-          <a:scrgbClr r="0" g="0" b="0"/>
-        </a:fillRef>
-        <a:effectRef idx="1">
-          <a:scrgbClr r="0" g="0" b="0"/>
-        </a:effectRef>
-        <a:fontRef idx="minor">
-          <a:schemeClr val="dk1"/>
-        </a:fontRef>
-      </dsp:style>
-      <dsp:txBody>
-        <a:bodyPr spcFirstLastPara="0" vert="horz" wrap="square" lIns="24130" tIns="24130" rIns="24130" bIns="24130" numCol="1" spcCol="1270" anchor="ctr" anchorCtr="0">
-          <a:noAutofit/>
-        </a:bodyPr>
-        <a:lstStyle/>
-        <a:p>
-          <a:pPr lvl="0" algn="ctr" defTabSz="844550">
-            <a:lnSpc>
-              <a:spcPct val="90000"/>
-            </a:lnSpc>
-            <a:spcBef>
-              <a:spcPct val="0"/>
-            </a:spcBef>
-            <a:spcAft>
-              <a:spcPct val="35000"/>
-            </a:spcAft>
-          </a:pPr>
-          <a:r>
-            <a:rPr lang="en-US" sz="1900" kern="1200" dirty="0" smtClean="0"/>
-            <a:t>Published</a:t>
-          </a:r>
-          <a:endParaRPr lang="en-US" sz="1900" kern="1200" dirty="0"/>
-        </a:p>
-      </dsp:txBody>
-      <dsp:txXfrm>
-        <a:off x="4701364" y="2135361"/>
-        <a:ext cx="1042797" cy="1042797"/>
-      </dsp:txXfrm>
-    </dsp:sp>
-    <dsp:sp modelId="{A7E410BE-02F7-430A-9F32-87E98534DD20}">
-      <dsp:nvSpPr>
-        <dsp:cNvPr id="0" name=""/>
-        <dsp:cNvSpPr/>
-      </dsp:nvSpPr>
-      <dsp:spPr>
-        <a:xfrm rot="10800000">
-          <a:off x="3929502" y="2407898"/>
-          <a:ext cx="392830" cy="497724"/>
-        </a:xfrm>
-        <a:prstGeom prst="rightArrow">
-          <a:avLst>
-            <a:gd name="adj1" fmla="val 60000"/>
-            <a:gd name="adj2" fmla="val 50000"/>
-          </a:avLst>
-        </a:prstGeom>
-        <a:solidFill>
-          <a:srgbClr val="FFC000"/>
-        </a:solidFill>
-        <a:ln>
-          <a:noFill/>
-        </a:ln>
-        <a:effectLst>
-          <a:outerShdw blurRad="40000" dist="20000" dir="5400000" rotWithShape="0">
-            <a:srgbClr val="000000">
-              <a:alpha val="38000"/>
-            </a:srgbClr>
-          </a:outerShdw>
-        </a:effectLst>
-      </dsp:spPr>
-      <dsp:style>
-        <a:lnRef idx="0">
-          <a:scrgbClr r="0" g="0" b="0"/>
-        </a:lnRef>
-        <a:fillRef idx="2">
-          <a:scrgbClr r="0" g="0" b="0"/>
-        </a:fillRef>
-        <a:effectRef idx="1">
-          <a:scrgbClr r="0" g="0" b="0"/>
-        </a:effectRef>
-        <a:fontRef idx="minor">
-          <a:schemeClr val="dk1"/>
-        </a:fontRef>
-      </dsp:style>
-      <dsp:txBody>
-        <a:bodyPr spcFirstLastPara="0" vert="horz" wrap="square" lIns="0" tIns="0" rIns="0" bIns="0" numCol="1" spcCol="1270" anchor="ctr" anchorCtr="0">
-          <a:noAutofit/>
-        </a:bodyPr>
-        <a:lstStyle/>
-        <a:p>
-          <a:pPr lvl="0" algn="ctr" defTabSz="711200">
-            <a:lnSpc>
-              <a:spcPct val="90000"/>
-            </a:lnSpc>
-            <a:spcBef>
-              <a:spcPct val="0"/>
-            </a:spcBef>
-            <a:spcAft>
-              <a:spcPct val="35000"/>
-            </a:spcAft>
-          </a:pPr>
-          <a:endParaRPr lang="en-US" sz="1600" kern="1200"/>
-        </a:p>
-      </dsp:txBody>
-      <dsp:txXfrm rot="10800000">
-        <a:off x="4047351" y="2507443"/>
-        <a:ext cx="274981" cy="298634"/>
-      </dsp:txXfrm>
-    </dsp:sp>
-    <dsp:sp modelId="{5B06571A-3A0E-4B29-A344-00CF6896A971}">
-      <dsp:nvSpPr>
-        <dsp:cNvPr id="0" name=""/>
-        <dsp:cNvSpPr/>
-      </dsp:nvSpPr>
-      <dsp:spPr>
-        <a:xfrm>
-          <a:off x="2269467" y="1919391"/>
-          <a:ext cx="1474737" cy="1474737"/>
-        </a:xfrm>
-        <a:prstGeom prst="ellipse">
-          <a:avLst/>
-        </a:prstGeom>
-        <a:gradFill rotWithShape="0">
-          <a:gsLst>
-            <a:gs pos="0">
-              <a:schemeClr val="accent1">
-                <a:hueOff val="0"/>
-                <a:satOff val="0"/>
-                <a:lumOff val="0"/>
-                <a:alphaOff val="0"/>
-                <a:tint val="50000"/>
-                <a:satMod val="300000"/>
-              </a:schemeClr>
-            </a:gs>
-            <a:gs pos="35000">
-              <a:schemeClr val="accent1">
-                <a:hueOff val="0"/>
-                <a:satOff val="0"/>
-                <a:lumOff val="0"/>
-                <a:alphaOff val="0"/>
-                <a:tint val="37000"/>
-                <a:satMod val="300000"/>
-              </a:schemeClr>
-            </a:gs>
-            <a:gs pos="100000">
-              <a:schemeClr val="accent1">
-                <a:hueOff val="0"/>
-                <a:satOff val="0"/>
-                <a:lumOff val="0"/>
-                <a:alphaOff val="0"/>
-                <a:tint val="15000"/>
-                <a:satMod val="350000"/>
-              </a:schemeClr>
-            </a:gs>
-          </a:gsLst>
-          <a:lin ang="16200000" scaled="1"/>
-        </a:gradFill>
-        <a:ln>
-          <a:noFill/>
-        </a:ln>
-        <a:effectLst>
-          <a:outerShdw blurRad="40000" dist="20000" dir="5400000" rotWithShape="0">
-            <a:srgbClr val="000000">
-              <a:alpha val="38000"/>
-            </a:srgbClr>
-          </a:outerShdw>
-        </a:effectLst>
-        <a:scene3d>
-          <a:camera prst="orthographicFront"/>
-          <a:lightRig rig="flat" dir="t"/>
-        </a:scene3d>
-        <a:sp3d prstMaterial="dkEdge">
-          <a:bevelT w="8200" h="38100"/>
-        </a:sp3d>
-      </dsp:spPr>
-      <dsp:style>
-        <a:lnRef idx="0">
-          <a:scrgbClr r="0" g="0" b="0"/>
-        </a:lnRef>
-        <a:fillRef idx="2">
-          <a:scrgbClr r="0" g="0" b="0"/>
-        </a:fillRef>
-        <a:effectRef idx="1">
-          <a:scrgbClr r="0" g="0" b="0"/>
-        </a:effectRef>
-        <a:fontRef idx="minor">
-          <a:schemeClr val="dk1"/>
-        </a:fontRef>
-      </dsp:style>
-      <dsp:txBody>
-        <a:bodyPr spcFirstLastPara="0" vert="horz" wrap="square" lIns="24130" tIns="24130" rIns="24130" bIns="24130" numCol="1" spcCol="1270" anchor="ctr" anchorCtr="0">
-          <a:noAutofit/>
-        </a:bodyPr>
-        <a:lstStyle/>
-        <a:p>
-          <a:pPr lvl="0" algn="ctr" defTabSz="844550">
-            <a:lnSpc>
-              <a:spcPct val="90000"/>
-            </a:lnSpc>
-            <a:spcBef>
-              <a:spcPct val="0"/>
-            </a:spcBef>
-            <a:spcAft>
-              <a:spcPct val="35000"/>
-            </a:spcAft>
-          </a:pPr>
-          <a:r>
-            <a:rPr lang="en-US" sz="1900" kern="1200" dirty="0" smtClean="0"/>
-            <a:t>Archived</a:t>
-          </a:r>
-          <a:endParaRPr lang="en-US" sz="1900" kern="1200" dirty="0"/>
-        </a:p>
-      </dsp:txBody>
-      <dsp:txXfrm>
-        <a:off x="2485437" y="2135361"/>
-        <a:ext cx="1042797" cy="1042797"/>
-      </dsp:txXfrm>
-    </dsp:sp>
-    <dsp:sp modelId="{44BFA5A8-46AD-427B-A345-20997D0381D0}">
-      <dsp:nvSpPr>
-        <dsp:cNvPr id="0" name=""/>
-        <dsp:cNvSpPr/>
-      </dsp:nvSpPr>
-      <dsp:spPr>
-        <a:xfrm rot="18000000">
-          <a:off x="3358844" y="1458002"/>
-          <a:ext cx="392830" cy="497724"/>
-        </a:xfrm>
-        <a:prstGeom prst="rightArrow">
-          <a:avLst>
-            <a:gd name="adj1" fmla="val 60000"/>
-            <a:gd name="adj2" fmla="val 50000"/>
-          </a:avLst>
-        </a:prstGeom>
-        <a:solidFill>
-          <a:srgbClr val="FFC000"/>
-        </a:solidFill>
-        <a:ln>
-          <a:noFill/>
-        </a:ln>
-        <a:effectLst>
-          <a:outerShdw blurRad="40000" dist="20000" dir="5400000" rotWithShape="0">
-            <a:srgbClr val="000000">
-              <a:alpha val="38000"/>
-            </a:srgbClr>
-          </a:outerShdw>
-        </a:effectLst>
-      </dsp:spPr>
-      <dsp:style>
-        <a:lnRef idx="0">
-          <a:scrgbClr r="0" g="0" b="0"/>
-        </a:lnRef>
-        <a:fillRef idx="2">
-          <a:scrgbClr r="0" g="0" b="0"/>
-        </a:fillRef>
-        <a:effectRef idx="1">
-          <a:scrgbClr r="0" g="0" b="0"/>
-        </a:effectRef>
-        <a:fontRef idx="minor">
-          <a:schemeClr val="dk1"/>
-        </a:fontRef>
-      </dsp:style>
-      <dsp:txBody>
-        <a:bodyPr spcFirstLastPara="0" vert="horz" wrap="square" lIns="0" tIns="0" rIns="0" bIns="0" numCol="1" spcCol="1270" anchor="ctr" anchorCtr="0">
-          <a:noAutofit/>
-        </a:bodyPr>
-        <a:lstStyle/>
-        <a:p>
-          <a:pPr lvl="0" algn="ctr" defTabSz="711200">
-            <a:lnSpc>
-              <a:spcPct val="90000"/>
-            </a:lnSpc>
-            <a:spcBef>
-              <a:spcPct val="0"/>
-            </a:spcBef>
-            <a:spcAft>
-              <a:spcPct val="35000"/>
-            </a:spcAft>
-          </a:pPr>
-          <a:endParaRPr lang="en-US" sz="1600" kern="1200"/>
-        </a:p>
-      </dsp:txBody>
-      <dsp:txXfrm>
-        <a:off x="3388306" y="1608577"/>
-        <a:ext cx="274981" cy="298634"/>
-      </dsp:txXfrm>
-    </dsp:sp>
   </dsp:spTree>
 </dsp:drawing>
 </file>
@@ -3140,7 +2606,7 @@
               <a:pPr>
                 <a:defRPr/>
               </a:pPr>
-              <a:t>1/10/14</a:t>
+              <a:t>1/3/2015</a:t>
             </a:fld>
             <a:endParaRPr lang="en-US"/>
           </a:p>
@@ -3354,7 +2820,7 @@
               <a:pPr>
                 <a:defRPr/>
               </a:pPr>
-              <a:t>1/10/14</a:t>
+              <a:t>1/3/2015</a:t>
             </a:fld>
             <a:endParaRPr lang="en-US"/>
           </a:p>
@@ -3720,7 +3186,7 @@
             <a:tailEnd/>
           </a:ln>
           <a:extLst>
-            <a:ext uri="{909E8E84-426E-40dd-AFC4-6F175D3DCCD1}">
+            <a:ext uri="{909E8E84-426E-40DD-AFC4-6F175D3DCCD1}">
               <a14:hiddenFill xmlns:a14="http://schemas.microsoft.com/office/drawing/2010/main">
                 <a:solidFill>
                   <a:srgbClr val="FFFFFF"/>
@@ -3743,14 +3209,14 @@
         <p:spPr bwMode="auto">
           <a:noFill/>
           <a:extLst>
-            <a:ext uri="{909E8E84-426E-40dd-AFC4-6F175D3DCCD1}">
+            <a:ext uri="{909E8E84-426E-40DD-AFC4-6F175D3DCCD1}">
               <a14:hiddenFill xmlns:a14="http://schemas.microsoft.com/office/drawing/2010/main">
                 <a:solidFill>
                   <a:srgbClr val="FFFFFF"/>
                 </a:solidFill>
               </a14:hiddenFill>
             </a:ext>
-            <a:ext uri="{91240B29-F687-4f45-9708-019B960494DF}">
+            <a:ext uri="{91240B29-F687-4F45-9708-019B960494DF}">
               <a14:hiddenLine xmlns:a14="http://schemas.microsoft.com/office/drawing/2010/main" w="9525">
                 <a:solidFill>
                   <a:srgbClr val="000000"/>
@@ -3788,14 +3254,14 @@
         <p:spPr bwMode="auto">
           <a:noFill/>
           <a:extLst>
-            <a:ext uri="{909E8E84-426E-40dd-AFC4-6F175D3DCCD1}">
+            <a:ext uri="{909E8E84-426E-40DD-AFC4-6F175D3DCCD1}">
               <a14:hiddenFill xmlns:a14="http://schemas.microsoft.com/office/drawing/2010/main">
                 <a:solidFill>
                   <a:srgbClr val="FFFFFF"/>
                 </a:solidFill>
               </a14:hiddenFill>
             </a:ext>
-            <a:ext uri="{91240B29-F687-4f45-9708-019B960494DF}">
+            <a:ext uri="{91240B29-F687-4F45-9708-019B960494DF}">
               <a14:hiddenLine xmlns:a14="http://schemas.microsoft.com/office/drawing/2010/main" w="9525">
                 <a:solidFill>
                   <a:srgbClr val="000000"/>
@@ -4494,7 +3960,7 @@
             <a:tailEnd/>
           </a:ln>
           <a:extLst>
-            <a:ext uri="{909E8E84-426E-40dd-AFC4-6F175D3DCCD1}">
+            <a:ext uri="{909E8E84-426E-40DD-AFC4-6F175D3DCCD1}">
               <a14:hiddenFill xmlns:a14="http://schemas.microsoft.com/office/drawing/2010/main">
                 <a:solidFill>
                   <a:srgbClr val="FFFFFF"/>
@@ -4517,14 +3983,14 @@
         <p:spPr bwMode="auto">
           <a:noFill/>
           <a:extLst>
-            <a:ext uri="{909E8E84-426E-40dd-AFC4-6F175D3DCCD1}">
+            <a:ext uri="{909E8E84-426E-40DD-AFC4-6F175D3DCCD1}">
               <a14:hiddenFill xmlns:a14="http://schemas.microsoft.com/office/drawing/2010/main">
                 <a:solidFill>
                   <a:srgbClr val="FFFFFF"/>
                 </a:solidFill>
               </a14:hiddenFill>
             </a:ext>
-            <a:ext uri="{91240B29-F687-4f45-9708-019B960494DF}">
+            <a:ext uri="{91240B29-F687-4F45-9708-019B960494DF}">
               <a14:hiddenLine xmlns:a14="http://schemas.microsoft.com/office/drawing/2010/main" w="9525">
                 <a:solidFill>
                   <a:srgbClr val="000000"/>
@@ -4562,14 +4028,14 @@
         <p:spPr bwMode="auto">
           <a:noFill/>
           <a:extLst>
-            <a:ext uri="{909E8E84-426E-40dd-AFC4-6F175D3DCCD1}">
+            <a:ext uri="{909E8E84-426E-40DD-AFC4-6F175D3DCCD1}">
               <a14:hiddenFill xmlns:a14="http://schemas.microsoft.com/office/drawing/2010/main">
                 <a:solidFill>
                   <a:srgbClr val="FFFFFF"/>
                 </a:solidFill>
               </a14:hiddenFill>
             </a:ext>
-            <a:ext uri="{91240B29-F687-4f45-9708-019B960494DF}">
+            <a:ext uri="{91240B29-F687-4F45-9708-019B960494DF}">
               <a14:hiddenLine xmlns:a14="http://schemas.microsoft.com/office/drawing/2010/main" w="9525">
                 <a:solidFill>
                   <a:srgbClr val="000000"/>
@@ -4904,7 +4370,7 @@
           <a:p>
             <a:fld id="{5FCC9A04-83C5-4490-B32D-67E67F46E85B}" type="datetimeFigureOut">
               <a:rPr lang="en-US" smtClean="0"/>
-              <a:t>1/10/14</a:t>
+              <a:t>1/3/2015</a:t>
             </a:fld>
             <a:endParaRPr lang="en-US"/>
           </a:p>
@@ -5074,7 +4540,7 @@
           <a:p>
             <a:fld id="{5FCC9A04-83C5-4490-B32D-67E67F46E85B}" type="datetimeFigureOut">
               <a:rPr lang="en-US" smtClean="0"/>
-              <a:t>1/10/14</a:t>
+              <a:t>1/3/2015</a:t>
             </a:fld>
             <a:endParaRPr lang="en-US"/>
           </a:p>
@@ -5255,7 +4721,7 @@
           <a:p>
             <a:fld id="{5FCC9A04-83C5-4490-B32D-67E67F46E85B}" type="datetimeFigureOut">
               <a:rPr lang="en-US" smtClean="0"/>
-              <a:t>1/10/14</a:t>
+              <a:t>1/3/2015</a:t>
             </a:fld>
             <a:endParaRPr lang="en-US"/>
           </a:p>
@@ -5545,7 +5011,7 @@
           <a:p>
             <a:fld id="{5FCC9A04-83C5-4490-B32D-67E67F46E85B}" type="datetimeFigureOut">
               <a:rPr lang="en-US" smtClean="0"/>
-              <a:t>1/10/14</a:t>
+              <a:t>1/3/2015</a:t>
             </a:fld>
             <a:endParaRPr lang="en-US"/>
           </a:p>
@@ -5792,7 +5258,7 @@
           <a:p>
             <a:fld id="{5FCC9A04-83C5-4490-B32D-67E67F46E85B}" type="datetimeFigureOut">
               <a:rPr lang="en-US" smtClean="0"/>
-              <a:t>1/10/14</a:t>
+              <a:t>1/3/2015</a:t>
             </a:fld>
             <a:endParaRPr lang="en-US"/>
           </a:p>
@@ -6080,7 +5546,7 @@
           <a:p>
             <a:fld id="{5FCC9A04-83C5-4490-B32D-67E67F46E85B}" type="datetimeFigureOut">
               <a:rPr lang="en-US" smtClean="0"/>
-              <a:t>1/10/14</a:t>
+              <a:t>1/3/2015</a:t>
             </a:fld>
             <a:endParaRPr lang="en-US"/>
           </a:p>
@@ -6502,7 +5968,7 @@
           <a:p>
             <a:fld id="{5FCC9A04-83C5-4490-B32D-67E67F46E85B}" type="datetimeFigureOut">
               <a:rPr lang="en-US" smtClean="0"/>
-              <a:t>1/10/14</a:t>
+              <a:t>1/3/2015</a:t>
             </a:fld>
             <a:endParaRPr lang="en-US"/>
           </a:p>
@@ -6621,7 +6087,7 @@
           <a:p>
             <a:fld id="{5FCC9A04-83C5-4490-B32D-67E67F46E85B}" type="datetimeFigureOut">
               <a:rPr lang="en-US" smtClean="0"/>
-              <a:t>1/10/14</a:t>
+              <a:t>1/3/2015</a:t>
             </a:fld>
             <a:endParaRPr lang="en-US"/>
           </a:p>
@@ -6717,7 +6183,7 @@
           <a:p>
             <a:fld id="{5FCC9A04-83C5-4490-B32D-67E67F46E85B}" type="datetimeFigureOut">
               <a:rPr lang="en-US" smtClean="0"/>
-              <a:t>1/10/14</a:t>
+              <a:t>1/3/2015</a:t>
             </a:fld>
             <a:endParaRPr lang="en-US"/>
           </a:p>
@@ -6995,7 +6461,7 @@
           <a:p>
             <a:fld id="{5FCC9A04-83C5-4490-B32D-67E67F46E85B}" type="datetimeFigureOut">
               <a:rPr lang="en-US" smtClean="0"/>
-              <a:t>1/10/14</a:t>
+              <a:t>1/3/2015</a:t>
             </a:fld>
             <a:endParaRPr lang="en-US"/>
           </a:p>
@@ -7249,7 +6715,7 @@
           <a:p>
             <a:fld id="{5FCC9A04-83C5-4490-B32D-67E67F46E85B}" type="datetimeFigureOut">
               <a:rPr lang="en-US" smtClean="0"/>
-              <a:t>1/10/14</a:t>
+              <a:t>1/3/2015</a:t>
             </a:fld>
             <a:endParaRPr lang="en-US"/>
           </a:p>
@@ -7462,7 +6928,7 @@
           <a:p>
             <a:fld id="{5FCC9A04-83C5-4490-B32D-67E67F46E85B}" type="datetimeFigureOut">
               <a:rPr lang="en-US" smtClean="0"/>
-              <a:t>1/10/14</a:t>
+              <a:t>1/3/2015</a:t>
             </a:fld>
             <a:endParaRPr lang="en-US"/>
           </a:p>
@@ -7548,7 +7014,7 @@
       </p:sp>
       <p:pic>
         <p:nvPicPr>
-          <p:cNvPr id="7" name="Picture 6" descr="logo-codemash.png"/>
+          <p:cNvPr id="8" name="Picture 7"/>
           <p:cNvPicPr>
             <a:picLocks noChangeAspect="1"/>
           </p:cNvPicPr>
@@ -7568,8 +7034,8 @@
         </p:blipFill>
         <p:spPr>
           <a:xfrm>
-            <a:off x="2638" y="0"/>
-            <a:ext cx="909123" cy="927582"/>
+            <a:off x="109728" y="118872"/>
+            <a:ext cx="828675" cy="1009650"/>
           </a:xfrm>
           <a:prstGeom prst="rect">
             <a:avLst/>
@@ -8159,13 +7625,13 @@
   <p:clrMapOvr>
     <a:masterClrMapping/>
   </p:clrMapOvr>
-  <p:transition xmlns:p14="http://schemas.microsoft.com/office/powerpoint/2010/main" spd="slow">
+  <p:transition spd="slow">
     <p:push/>
   </p:transition>
   <p:timing>
     <p:tnLst>
       <p:par>
-        <p:cTn xmlns:p14="http://schemas.microsoft.com/office/powerpoint/2010/main" id="1" dur="indefinite" restart="never" nodeType="tmRoot"/>
+        <p:cTn id="1" dur="indefinite" restart="never" nodeType="tmRoot"/>
       </p:par>
     </p:tnLst>
   </p:timing>
@@ -8245,7 +7711,7 @@
   <p:timing>
     <p:tnLst>
       <p:par>
-        <p:cTn xmlns:p14="http://schemas.microsoft.com/office/powerpoint/2010/main" id="1" dur="indefinite" restart="never" nodeType="tmRoot"/>
+        <p:cTn id="1" dur="indefinite" restart="never" nodeType="tmRoot"/>
       </p:par>
     </p:tnLst>
   </p:timing>
@@ -8360,7 +7826,7 @@
   <p:timing>
     <p:tnLst>
       <p:par>
-        <p:cTn xmlns:p14="http://schemas.microsoft.com/office/powerpoint/2010/main" id="1" dur="indefinite" restart="never" nodeType="tmRoot"/>
+        <p:cTn id="1" dur="indefinite" restart="never" nodeType="tmRoot"/>
       </p:par>
     </p:tnLst>
   </p:timing>
@@ -8487,7 +7953,7 @@
   <p:timing>
     <p:tnLst>
       <p:par>
-        <p:cTn xmlns:p14="http://schemas.microsoft.com/office/powerpoint/2010/main" id="1" dur="indefinite" restart="never" nodeType="tmRoot"/>
+        <p:cTn id="1" dur="indefinite" restart="never" nodeType="tmRoot"/>
       </p:par>
     </p:tnLst>
   </p:timing>
@@ -8580,7 +8046,7 @@
   <p:timing>
     <p:tnLst>
       <p:par>
-        <p:cTn xmlns:p14="http://schemas.microsoft.com/office/powerpoint/2010/main" id="1" dur="indefinite" restart="never" nodeType="tmRoot"/>
+        <p:cTn id="1" dur="indefinite" restart="never" nodeType="tmRoot"/>
       </p:par>
     </p:tnLst>
   </p:timing>
@@ -8694,13 +8160,13 @@
   <p:clrMapOvr>
     <a:masterClrMapping/>
   </p:clrMapOvr>
-  <p:transition xmlns:p14="http://schemas.microsoft.com/office/powerpoint/2010/main" spd="slow">
+  <p:transition spd="slow">
     <p:push/>
   </p:transition>
   <p:timing>
     <p:tnLst>
       <p:par>
-        <p:cTn xmlns:p14="http://schemas.microsoft.com/office/powerpoint/2010/main" id="1" dur="indefinite" restart="never" nodeType="tmRoot">
+        <p:cTn id="1" dur="indefinite" restart="never" nodeType="tmRoot">
           <p:childTnLst>
             <p:seq concurrent="1" nextAc="seek">
               <p:cTn id="2" dur="indefinite" nodeType="mainSeq">
@@ -9094,7 +8560,7 @@
   <p:timing>
     <p:tnLst>
       <p:par>
-        <p:cTn xmlns:p14="http://schemas.microsoft.com/office/powerpoint/2010/main" id="1" dur="indefinite" restart="never" nodeType="tmRoot">
+        <p:cTn id="1" dur="indefinite" restart="never" nodeType="tmRoot">
           <p:childTnLst>
             <p:seq concurrent="1" nextAc="seek">
               <p:cTn id="2" dur="indefinite" nodeType="mainSeq">
@@ -9482,7 +8948,7 @@
   <p:timing>
     <p:tnLst>
       <p:par>
-        <p:cTn xmlns:p14="http://schemas.microsoft.com/office/powerpoint/2010/main" id="1" dur="indefinite" restart="never" nodeType="tmRoot"/>
+        <p:cTn id="1" dur="indefinite" restart="never" nodeType="tmRoot"/>
       </p:par>
     </p:tnLst>
   </p:timing>
@@ -9594,7 +9060,7 @@
   <p:timing>
     <p:tnLst>
       <p:par>
-        <p:cTn xmlns:p14="http://schemas.microsoft.com/office/powerpoint/2010/main" id="1" dur="indefinite" restart="never" nodeType="tmRoot">
+        <p:cTn id="1" dur="indefinite" restart="never" nodeType="tmRoot">
           <p:childTnLst>
             <p:seq concurrent="1" nextAc="seek">
               <p:cTn id="2" dur="indefinite" nodeType="mainSeq">
@@ -9973,7 +9439,7 @@
   <p:timing>
     <p:tnLst>
       <p:par>
-        <p:cTn xmlns:p14="http://schemas.microsoft.com/office/powerpoint/2010/main" id="1" dur="indefinite" restart="never" nodeType="tmRoot">
+        <p:cTn id="1" dur="indefinite" restart="never" nodeType="tmRoot">
           <p:childTnLst>
             <p:seq concurrent="1" nextAc="seek">
               <p:cTn id="2" dur="indefinite" nodeType="mainSeq">
@@ -10345,7 +9811,7 @@
   <p:timing>
     <p:tnLst>
       <p:par>
-        <p:cTn xmlns:p14="http://schemas.microsoft.com/office/powerpoint/2010/main" id="1" dur="indefinite" restart="never" nodeType="tmRoot">
+        <p:cTn id="1" dur="indefinite" restart="never" nodeType="tmRoot">
           <p:childTnLst>
             <p:seq concurrent="1" nextAc="seek">
               <p:cTn id="2" dur="indefinite" nodeType="mainSeq">
@@ -10701,7 +10167,7 @@
   <p:timing>
     <p:tnLst>
       <p:par>
-        <p:cTn xmlns:p14="http://schemas.microsoft.com/office/powerpoint/2010/main" id="1" dur="indefinite" restart="never" nodeType="tmRoot">
+        <p:cTn id="1" dur="indefinite" restart="never" nodeType="tmRoot">
           <p:childTnLst>
             <p:seq concurrent="1" nextAc="seek">
               <p:cTn id="2" dur="indefinite" nodeType="mainSeq">
@@ -11176,7 +10642,7 @@
   <p:timing>
     <p:tnLst>
       <p:par>
-        <p:cTn xmlns:p14="http://schemas.microsoft.com/office/powerpoint/2010/main" id="1" dur="indefinite" restart="never" nodeType="tmRoot"/>
+        <p:cTn id="1" dur="indefinite" restart="never" nodeType="tmRoot"/>
       </p:par>
     </p:tnLst>
   </p:timing>

--- a/03-Patterns.pptx
+++ b/03-Patterns.pptx
@@ -154,7 +154,7 @@
   </p:defaultTextStyle>
   <p:extLst>
     <p:ext uri="{EFAFB233-063F-42B5-8137-9DF3F51BA10A}">
-      <p15:sldGuideLst xmlns="" xmlns:p15="http://schemas.microsoft.com/office/powerpoint/2012/main">
+      <p15:sldGuideLst xmlns:p15="http://schemas.microsoft.com/office/powerpoint/2012/main" xmlns="">
         <p15:guide id="1" orient="horz" pos="2160">
           <p15:clr>
             <a:srgbClr val="A4A3A4"/>
@@ -1225,6 +1225,540 @@
       <dsp:cNvGrpSpPr/>
     </dsp:nvGrpSpPr>
     <dsp:grpSpPr/>
+    <dsp:sp modelId="{A9873CE5-900B-4A1D-B7B6-150CD0348168}">
+      <dsp:nvSpPr>
+        <dsp:cNvPr id="0" name=""/>
+        <dsp:cNvSpPr/>
+      </dsp:nvSpPr>
+      <dsp:spPr>
+        <a:xfrm>
+          <a:off x="3377431" y="342"/>
+          <a:ext cx="1474737" cy="1474737"/>
+        </a:xfrm>
+        <a:prstGeom prst="ellipse">
+          <a:avLst/>
+        </a:prstGeom>
+        <a:gradFill rotWithShape="0">
+          <a:gsLst>
+            <a:gs pos="0">
+              <a:schemeClr val="accent1">
+                <a:hueOff val="0"/>
+                <a:satOff val="0"/>
+                <a:lumOff val="0"/>
+                <a:alphaOff val="0"/>
+                <a:tint val="50000"/>
+                <a:satMod val="300000"/>
+              </a:schemeClr>
+            </a:gs>
+            <a:gs pos="35000">
+              <a:schemeClr val="accent1">
+                <a:hueOff val="0"/>
+                <a:satOff val="0"/>
+                <a:lumOff val="0"/>
+                <a:alphaOff val="0"/>
+                <a:tint val="37000"/>
+                <a:satMod val="300000"/>
+              </a:schemeClr>
+            </a:gs>
+            <a:gs pos="100000">
+              <a:schemeClr val="accent1">
+                <a:hueOff val="0"/>
+                <a:satOff val="0"/>
+                <a:lumOff val="0"/>
+                <a:alphaOff val="0"/>
+                <a:tint val="15000"/>
+                <a:satMod val="350000"/>
+              </a:schemeClr>
+            </a:gs>
+          </a:gsLst>
+          <a:lin ang="16200000" scaled="1"/>
+        </a:gradFill>
+        <a:ln>
+          <a:noFill/>
+        </a:ln>
+        <a:effectLst>
+          <a:outerShdw blurRad="40000" dist="20000" dir="5400000" rotWithShape="0">
+            <a:srgbClr val="000000">
+              <a:alpha val="38000"/>
+            </a:srgbClr>
+          </a:outerShdw>
+        </a:effectLst>
+        <a:scene3d>
+          <a:camera prst="orthographicFront"/>
+          <a:lightRig rig="flat" dir="t"/>
+        </a:scene3d>
+        <a:sp3d prstMaterial="dkEdge">
+          <a:bevelT w="8200" h="38100"/>
+        </a:sp3d>
+      </dsp:spPr>
+      <dsp:style>
+        <a:lnRef idx="0">
+          <a:scrgbClr r="0" g="0" b="0"/>
+        </a:lnRef>
+        <a:fillRef idx="2">
+          <a:scrgbClr r="0" g="0" b="0"/>
+        </a:fillRef>
+        <a:effectRef idx="1">
+          <a:scrgbClr r="0" g="0" b="0"/>
+        </a:effectRef>
+        <a:fontRef idx="minor">
+          <a:schemeClr val="dk1"/>
+        </a:fontRef>
+      </dsp:style>
+      <dsp:txBody>
+        <a:bodyPr spcFirstLastPara="0" vert="horz" wrap="square" lIns="24130" tIns="24130" rIns="24130" bIns="24130" numCol="1" spcCol="1270" anchor="ctr" anchorCtr="0">
+          <a:noAutofit/>
+        </a:bodyPr>
+        <a:lstStyle/>
+        <a:p>
+          <a:pPr lvl="0" algn="ctr" defTabSz="844550">
+            <a:lnSpc>
+              <a:spcPct val="90000"/>
+            </a:lnSpc>
+            <a:spcBef>
+              <a:spcPct val="0"/>
+            </a:spcBef>
+            <a:spcAft>
+              <a:spcPct val="35000"/>
+            </a:spcAft>
+          </a:pPr>
+          <a:r>
+            <a:rPr lang="en-US" sz="1900" kern="1200" dirty="0" smtClean="0"/>
+            <a:t>Pending</a:t>
+          </a:r>
+          <a:endParaRPr lang="en-US" sz="1900" kern="1200" dirty="0"/>
+        </a:p>
+      </dsp:txBody>
+      <dsp:txXfrm>
+        <a:off x="3593401" y="216312"/>
+        <a:ext cx="1042797" cy="1042797"/>
+      </dsp:txXfrm>
+    </dsp:sp>
+    <dsp:sp modelId="{8E83AACC-B153-46D9-8255-9F790BC30C8D}">
+      <dsp:nvSpPr>
+        <dsp:cNvPr id="0" name=""/>
+        <dsp:cNvSpPr/>
+      </dsp:nvSpPr>
+      <dsp:spPr>
+        <a:xfrm rot="3600000">
+          <a:off x="4466807" y="1438745"/>
+          <a:ext cx="392830" cy="497724"/>
+        </a:xfrm>
+        <a:prstGeom prst="rightArrow">
+          <a:avLst>
+            <a:gd name="adj1" fmla="val 60000"/>
+            <a:gd name="adj2" fmla="val 50000"/>
+          </a:avLst>
+        </a:prstGeom>
+        <a:solidFill>
+          <a:srgbClr val="FFC000"/>
+        </a:solidFill>
+        <a:ln>
+          <a:noFill/>
+        </a:ln>
+        <a:effectLst>
+          <a:outerShdw blurRad="40000" dist="20000" dir="5400000" rotWithShape="0">
+            <a:srgbClr val="000000">
+              <a:alpha val="38000"/>
+            </a:srgbClr>
+          </a:outerShdw>
+        </a:effectLst>
+      </dsp:spPr>
+      <dsp:style>
+        <a:lnRef idx="0">
+          <a:scrgbClr r="0" g="0" b="0"/>
+        </a:lnRef>
+        <a:fillRef idx="2">
+          <a:scrgbClr r="0" g="0" b="0"/>
+        </a:fillRef>
+        <a:effectRef idx="1">
+          <a:scrgbClr r="0" g="0" b="0"/>
+        </a:effectRef>
+        <a:fontRef idx="minor">
+          <a:schemeClr val="dk1"/>
+        </a:fontRef>
+      </dsp:style>
+      <dsp:txBody>
+        <a:bodyPr spcFirstLastPara="0" vert="horz" wrap="square" lIns="0" tIns="0" rIns="0" bIns="0" numCol="1" spcCol="1270" anchor="ctr" anchorCtr="0">
+          <a:noAutofit/>
+        </a:bodyPr>
+        <a:lstStyle/>
+        <a:p>
+          <a:pPr lvl="0" algn="ctr" defTabSz="711200">
+            <a:lnSpc>
+              <a:spcPct val="90000"/>
+            </a:lnSpc>
+            <a:spcBef>
+              <a:spcPct val="0"/>
+            </a:spcBef>
+            <a:spcAft>
+              <a:spcPct val="35000"/>
+            </a:spcAft>
+          </a:pPr>
+          <a:endParaRPr lang="en-US" sz="1600" kern="1200"/>
+        </a:p>
+      </dsp:txBody>
+      <dsp:txXfrm>
+        <a:off x="4496269" y="1487260"/>
+        <a:ext cx="274981" cy="298634"/>
+      </dsp:txXfrm>
+    </dsp:sp>
+    <dsp:sp modelId="{12265EBA-9214-4B6D-85A3-F35EC9BD84B7}">
+      <dsp:nvSpPr>
+        <dsp:cNvPr id="0" name=""/>
+        <dsp:cNvSpPr/>
+      </dsp:nvSpPr>
+      <dsp:spPr>
+        <a:xfrm>
+          <a:off x="4485394" y="1919391"/>
+          <a:ext cx="1474737" cy="1474737"/>
+        </a:xfrm>
+        <a:prstGeom prst="ellipse">
+          <a:avLst/>
+        </a:prstGeom>
+        <a:gradFill rotWithShape="0">
+          <a:gsLst>
+            <a:gs pos="0">
+              <a:schemeClr val="accent1">
+                <a:hueOff val="0"/>
+                <a:satOff val="0"/>
+                <a:lumOff val="0"/>
+                <a:alphaOff val="0"/>
+                <a:tint val="50000"/>
+                <a:satMod val="300000"/>
+              </a:schemeClr>
+            </a:gs>
+            <a:gs pos="35000">
+              <a:schemeClr val="accent1">
+                <a:hueOff val="0"/>
+                <a:satOff val="0"/>
+                <a:lumOff val="0"/>
+                <a:alphaOff val="0"/>
+                <a:tint val="37000"/>
+                <a:satMod val="300000"/>
+              </a:schemeClr>
+            </a:gs>
+            <a:gs pos="100000">
+              <a:schemeClr val="accent1">
+                <a:hueOff val="0"/>
+                <a:satOff val="0"/>
+                <a:lumOff val="0"/>
+                <a:alphaOff val="0"/>
+                <a:tint val="15000"/>
+                <a:satMod val="350000"/>
+              </a:schemeClr>
+            </a:gs>
+          </a:gsLst>
+          <a:lin ang="16200000" scaled="1"/>
+        </a:gradFill>
+        <a:ln>
+          <a:noFill/>
+        </a:ln>
+        <a:effectLst>
+          <a:outerShdw blurRad="40000" dist="20000" dir="5400000" rotWithShape="0">
+            <a:srgbClr val="000000">
+              <a:alpha val="38000"/>
+            </a:srgbClr>
+          </a:outerShdw>
+        </a:effectLst>
+        <a:scene3d>
+          <a:camera prst="orthographicFront"/>
+          <a:lightRig rig="flat" dir="t"/>
+        </a:scene3d>
+        <a:sp3d prstMaterial="dkEdge">
+          <a:bevelT w="8200" h="38100"/>
+        </a:sp3d>
+      </dsp:spPr>
+      <dsp:style>
+        <a:lnRef idx="0">
+          <a:scrgbClr r="0" g="0" b="0"/>
+        </a:lnRef>
+        <a:fillRef idx="2">
+          <a:scrgbClr r="0" g="0" b="0"/>
+        </a:fillRef>
+        <a:effectRef idx="1">
+          <a:scrgbClr r="0" g="0" b="0"/>
+        </a:effectRef>
+        <a:fontRef idx="minor">
+          <a:schemeClr val="dk1"/>
+        </a:fontRef>
+      </dsp:style>
+      <dsp:txBody>
+        <a:bodyPr spcFirstLastPara="0" vert="horz" wrap="square" lIns="24130" tIns="24130" rIns="24130" bIns="24130" numCol="1" spcCol="1270" anchor="ctr" anchorCtr="0">
+          <a:noAutofit/>
+        </a:bodyPr>
+        <a:lstStyle/>
+        <a:p>
+          <a:pPr lvl="0" algn="ctr" defTabSz="844550">
+            <a:lnSpc>
+              <a:spcPct val="90000"/>
+            </a:lnSpc>
+            <a:spcBef>
+              <a:spcPct val="0"/>
+            </a:spcBef>
+            <a:spcAft>
+              <a:spcPct val="35000"/>
+            </a:spcAft>
+          </a:pPr>
+          <a:r>
+            <a:rPr lang="en-US" sz="1900" kern="1200" dirty="0" smtClean="0"/>
+            <a:t>Published</a:t>
+          </a:r>
+          <a:endParaRPr lang="en-US" sz="1900" kern="1200" dirty="0"/>
+        </a:p>
+      </dsp:txBody>
+      <dsp:txXfrm>
+        <a:off x="4701364" y="2135361"/>
+        <a:ext cx="1042797" cy="1042797"/>
+      </dsp:txXfrm>
+    </dsp:sp>
+    <dsp:sp modelId="{A7E410BE-02F7-430A-9F32-87E98534DD20}">
+      <dsp:nvSpPr>
+        <dsp:cNvPr id="0" name=""/>
+        <dsp:cNvSpPr/>
+      </dsp:nvSpPr>
+      <dsp:spPr>
+        <a:xfrm rot="10800000">
+          <a:off x="3929502" y="2407898"/>
+          <a:ext cx="392830" cy="497724"/>
+        </a:xfrm>
+        <a:prstGeom prst="rightArrow">
+          <a:avLst>
+            <a:gd name="adj1" fmla="val 60000"/>
+            <a:gd name="adj2" fmla="val 50000"/>
+          </a:avLst>
+        </a:prstGeom>
+        <a:solidFill>
+          <a:srgbClr val="FFC000"/>
+        </a:solidFill>
+        <a:ln>
+          <a:noFill/>
+        </a:ln>
+        <a:effectLst>
+          <a:outerShdw blurRad="40000" dist="20000" dir="5400000" rotWithShape="0">
+            <a:srgbClr val="000000">
+              <a:alpha val="38000"/>
+            </a:srgbClr>
+          </a:outerShdw>
+        </a:effectLst>
+      </dsp:spPr>
+      <dsp:style>
+        <a:lnRef idx="0">
+          <a:scrgbClr r="0" g="0" b="0"/>
+        </a:lnRef>
+        <a:fillRef idx="2">
+          <a:scrgbClr r="0" g="0" b="0"/>
+        </a:fillRef>
+        <a:effectRef idx="1">
+          <a:scrgbClr r="0" g="0" b="0"/>
+        </a:effectRef>
+        <a:fontRef idx="minor">
+          <a:schemeClr val="dk1"/>
+        </a:fontRef>
+      </dsp:style>
+      <dsp:txBody>
+        <a:bodyPr spcFirstLastPara="0" vert="horz" wrap="square" lIns="0" tIns="0" rIns="0" bIns="0" numCol="1" spcCol="1270" anchor="ctr" anchorCtr="0">
+          <a:noAutofit/>
+        </a:bodyPr>
+        <a:lstStyle/>
+        <a:p>
+          <a:pPr lvl="0" algn="ctr" defTabSz="711200">
+            <a:lnSpc>
+              <a:spcPct val="90000"/>
+            </a:lnSpc>
+            <a:spcBef>
+              <a:spcPct val="0"/>
+            </a:spcBef>
+            <a:spcAft>
+              <a:spcPct val="35000"/>
+            </a:spcAft>
+          </a:pPr>
+          <a:endParaRPr lang="en-US" sz="1600" kern="1200"/>
+        </a:p>
+      </dsp:txBody>
+      <dsp:txXfrm rot="10800000">
+        <a:off x="4047351" y="2507443"/>
+        <a:ext cx="274981" cy="298634"/>
+      </dsp:txXfrm>
+    </dsp:sp>
+    <dsp:sp modelId="{5B06571A-3A0E-4B29-A344-00CF6896A971}">
+      <dsp:nvSpPr>
+        <dsp:cNvPr id="0" name=""/>
+        <dsp:cNvSpPr/>
+      </dsp:nvSpPr>
+      <dsp:spPr>
+        <a:xfrm>
+          <a:off x="2269467" y="1919391"/>
+          <a:ext cx="1474737" cy="1474737"/>
+        </a:xfrm>
+        <a:prstGeom prst="ellipse">
+          <a:avLst/>
+        </a:prstGeom>
+        <a:gradFill rotWithShape="0">
+          <a:gsLst>
+            <a:gs pos="0">
+              <a:schemeClr val="accent1">
+                <a:hueOff val="0"/>
+                <a:satOff val="0"/>
+                <a:lumOff val="0"/>
+                <a:alphaOff val="0"/>
+                <a:tint val="50000"/>
+                <a:satMod val="300000"/>
+              </a:schemeClr>
+            </a:gs>
+            <a:gs pos="35000">
+              <a:schemeClr val="accent1">
+                <a:hueOff val="0"/>
+                <a:satOff val="0"/>
+                <a:lumOff val="0"/>
+                <a:alphaOff val="0"/>
+                <a:tint val="37000"/>
+                <a:satMod val="300000"/>
+              </a:schemeClr>
+            </a:gs>
+            <a:gs pos="100000">
+              <a:schemeClr val="accent1">
+                <a:hueOff val="0"/>
+                <a:satOff val="0"/>
+                <a:lumOff val="0"/>
+                <a:alphaOff val="0"/>
+                <a:tint val="15000"/>
+                <a:satMod val="350000"/>
+              </a:schemeClr>
+            </a:gs>
+          </a:gsLst>
+          <a:lin ang="16200000" scaled="1"/>
+        </a:gradFill>
+        <a:ln>
+          <a:noFill/>
+        </a:ln>
+        <a:effectLst>
+          <a:outerShdw blurRad="40000" dist="20000" dir="5400000" rotWithShape="0">
+            <a:srgbClr val="000000">
+              <a:alpha val="38000"/>
+            </a:srgbClr>
+          </a:outerShdw>
+        </a:effectLst>
+        <a:scene3d>
+          <a:camera prst="orthographicFront"/>
+          <a:lightRig rig="flat" dir="t"/>
+        </a:scene3d>
+        <a:sp3d prstMaterial="dkEdge">
+          <a:bevelT w="8200" h="38100"/>
+        </a:sp3d>
+      </dsp:spPr>
+      <dsp:style>
+        <a:lnRef idx="0">
+          <a:scrgbClr r="0" g="0" b="0"/>
+        </a:lnRef>
+        <a:fillRef idx="2">
+          <a:scrgbClr r="0" g="0" b="0"/>
+        </a:fillRef>
+        <a:effectRef idx="1">
+          <a:scrgbClr r="0" g="0" b="0"/>
+        </a:effectRef>
+        <a:fontRef idx="minor">
+          <a:schemeClr val="dk1"/>
+        </a:fontRef>
+      </dsp:style>
+      <dsp:txBody>
+        <a:bodyPr spcFirstLastPara="0" vert="horz" wrap="square" lIns="24130" tIns="24130" rIns="24130" bIns="24130" numCol="1" spcCol="1270" anchor="ctr" anchorCtr="0">
+          <a:noAutofit/>
+        </a:bodyPr>
+        <a:lstStyle/>
+        <a:p>
+          <a:pPr lvl="0" algn="ctr" defTabSz="844550">
+            <a:lnSpc>
+              <a:spcPct val="90000"/>
+            </a:lnSpc>
+            <a:spcBef>
+              <a:spcPct val="0"/>
+            </a:spcBef>
+            <a:spcAft>
+              <a:spcPct val="35000"/>
+            </a:spcAft>
+          </a:pPr>
+          <a:r>
+            <a:rPr lang="en-US" sz="1900" kern="1200" dirty="0" smtClean="0"/>
+            <a:t>Archived</a:t>
+          </a:r>
+          <a:endParaRPr lang="en-US" sz="1900" kern="1200" dirty="0"/>
+        </a:p>
+      </dsp:txBody>
+      <dsp:txXfrm>
+        <a:off x="2485437" y="2135361"/>
+        <a:ext cx="1042797" cy="1042797"/>
+      </dsp:txXfrm>
+    </dsp:sp>
+    <dsp:sp modelId="{44BFA5A8-46AD-427B-A345-20997D0381D0}">
+      <dsp:nvSpPr>
+        <dsp:cNvPr id="0" name=""/>
+        <dsp:cNvSpPr/>
+      </dsp:nvSpPr>
+      <dsp:spPr>
+        <a:xfrm rot="18000000">
+          <a:off x="3358844" y="1458002"/>
+          <a:ext cx="392830" cy="497724"/>
+        </a:xfrm>
+        <a:prstGeom prst="rightArrow">
+          <a:avLst>
+            <a:gd name="adj1" fmla="val 60000"/>
+            <a:gd name="adj2" fmla="val 50000"/>
+          </a:avLst>
+        </a:prstGeom>
+        <a:solidFill>
+          <a:srgbClr val="FFC000"/>
+        </a:solidFill>
+        <a:ln>
+          <a:noFill/>
+        </a:ln>
+        <a:effectLst>
+          <a:outerShdw blurRad="40000" dist="20000" dir="5400000" rotWithShape="0">
+            <a:srgbClr val="000000">
+              <a:alpha val="38000"/>
+            </a:srgbClr>
+          </a:outerShdw>
+        </a:effectLst>
+      </dsp:spPr>
+      <dsp:style>
+        <a:lnRef idx="0">
+          <a:scrgbClr r="0" g="0" b="0"/>
+        </a:lnRef>
+        <a:fillRef idx="2">
+          <a:scrgbClr r="0" g="0" b="0"/>
+        </a:fillRef>
+        <a:effectRef idx="1">
+          <a:scrgbClr r="0" g="0" b="0"/>
+        </a:effectRef>
+        <a:fontRef idx="minor">
+          <a:schemeClr val="dk1"/>
+        </a:fontRef>
+      </dsp:style>
+      <dsp:txBody>
+        <a:bodyPr spcFirstLastPara="0" vert="horz" wrap="square" lIns="0" tIns="0" rIns="0" bIns="0" numCol="1" spcCol="1270" anchor="ctr" anchorCtr="0">
+          <a:noAutofit/>
+        </a:bodyPr>
+        <a:lstStyle/>
+        <a:p>
+          <a:pPr lvl="0" algn="ctr" defTabSz="711200">
+            <a:lnSpc>
+              <a:spcPct val="90000"/>
+            </a:lnSpc>
+            <a:spcBef>
+              <a:spcPct val="0"/>
+            </a:spcBef>
+            <a:spcAft>
+              <a:spcPct val="35000"/>
+            </a:spcAft>
+          </a:pPr>
+          <a:endParaRPr lang="en-US" sz="1600" kern="1200"/>
+        </a:p>
+      </dsp:txBody>
+      <dsp:txXfrm>
+        <a:off x="3388306" y="1608577"/>
+        <a:ext cx="274981" cy="298634"/>
+      </dsp:txXfrm>
+    </dsp:sp>
   </dsp:spTree>
 </dsp:drawing>
 </file>
@@ -7363,19 +7897,8 @@
                 <a:latin typeface="News Gothic Com Thin" pitchFamily="34" charset="0"/>
                 <a:cs typeface="News Gothic Com Thin" pitchFamily="34" charset="0"/>
               </a:rPr>
-              <a:t>Intermediate </a:t>
-            </a:r>
-            <a:r>
-              <a:rPr lang="en-US" smtClean="0">
-                <a:latin typeface="News Gothic Com Thin" pitchFamily="34" charset="0"/>
-                <a:cs typeface="News Gothic Com Thin" pitchFamily="34" charset="0"/>
-              </a:rPr>
-              <a:t>Software Craftsmanship</a:t>
-            </a:r>
-            <a:endParaRPr lang="en-US" dirty="0" smtClean="0">
-              <a:latin typeface="News Gothic Com Thin" pitchFamily="34" charset="0"/>
-              <a:cs typeface="News Gothic Com Thin" pitchFamily="34" charset="0"/>
-            </a:endParaRPr>
+              <a:t>Intermediate Software Craftsmanship</a:t>
+            </a:r>
           </a:p>
         </p:txBody>
       </p:sp>
@@ -7408,13 +7931,25 @@
               <a:rPr lang="en-US" dirty="0" smtClean="0">
                 <a:latin typeface="News Gothic Com Thin" charset="0"/>
               </a:rPr>
-              <a:t>Steve Smith | @</a:t>
+              <a:t>Jeff Valore </a:t>
+            </a:r>
+            <a:r>
+              <a:rPr lang="en-US" dirty="0" smtClean="0">
+                <a:latin typeface="News Gothic Com Thin" charset="0"/>
+              </a:rPr>
+              <a:t>| </a:t>
+            </a:r>
+            <a:r>
+              <a:rPr lang="en-US" dirty="0" smtClean="0">
+                <a:latin typeface="News Gothic Com Thin" charset="0"/>
+              </a:rPr>
+              <a:t>@</a:t>
             </a:r>
             <a:r>
               <a:rPr lang="en-US" dirty="0" err="1" smtClean="0">
                 <a:latin typeface="News Gothic Com Thin" charset="0"/>
               </a:rPr>
-              <a:t>ardalis</a:t>
+              <a:t>CodingWithSpike</a:t>
             </a:r>
             <a:endParaRPr lang="en-US" dirty="0">
               <a:latin typeface="News Gothic Com Thin" charset="0"/>

--- a/03-Patterns.pptx
+++ b/03-Patterns.pptx
@@ -5,25 +5,29 @@
     <p:sldMasterId id="2147483808" r:id="rId1"/>
   </p:sldMasterIdLst>
   <p:notesMasterIdLst>
-    <p:notesMasterId r:id="rId15"/>
+    <p:notesMasterId r:id="rId19"/>
   </p:notesMasterIdLst>
   <p:handoutMasterIdLst>
-    <p:handoutMasterId r:id="rId16"/>
+    <p:handoutMasterId r:id="rId20"/>
   </p:handoutMasterIdLst>
   <p:sldIdLst>
     <p:sldId id="261" r:id="rId2"/>
     <p:sldId id="279" r:id="rId3"/>
-    <p:sldId id="280" r:id="rId4"/>
-    <p:sldId id="281" r:id="rId5"/>
-    <p:sldId id="282" r:id="rId6"/>
-    <p:sldId id="283" r:id="rId7"/>
-    <p:sldId id="284" r:id="rId8"/>
-    <p:sldId id="285" r:id="rId9"/>
-    <p:sldId id="286" r:id="rId10"/>
-    <p:sldId id="287" r:id="rId11"/>
-    <p:sldId id="288" r:id="rId12"/>
-    <p:sldId id="289" r:id="rId13"/>
-    <p:sldId id="278" r:id="rId14"/>
+    <p:sldId id="290" r:id="rId4"/>
+    <p:sldId id="280" r:id="rId5"/>
+    <p:sldId id="281" r:id="rId6"/>
+    <p:sldId id="282" r:id="rId7"/>
+    <p:sldId id="291" r:id="rId8"/>
+    <p:sldId id="283" r:id="rId9"/>
+    <p:sldId id="284" r:id="rId10"/>
+    <p:sldId id="293" r:id="rId11"/>
+    <p:sldId id="285" r:id="rId12"/>
+    <p:sldId id="286" r:id="rId13"/>
+    <p:sldId id="287" r:id="rId14"/>
+    <p:sldId id="288" r:id="rId15"/>
+    <p:sldId id="289" r:id="rId16"/>
+    <p:sldId id="292" r:id="rId17"/>
+    <p:sldId id="278" r:id="rId18"/>
   </p:sldIdLst>
   <p:sldSz cx="9144000" cy="5143500" type="screen16x9"/>
   <p:notesSz cx="6858000" cy="9144000"/>
@@ -154,7 +158,7 @@
   </p:defaultTextStyle>
   <p:extLst>
     <p:ext uri="{EFAFB233-063F-42B5-8137-9DF3F51BA10A}">
-      <p15:sldGuideLst xmlns:p15="http://schemas.microsoft.com/office/powerpoint/2012/main" xmlns="">
+      <p15:sldGuideLst xmlns="" xmlns:p15="http://schemas.microsoft.com/office/powerpoint/2012/main">
         <p15:guide id="1" orient="horz" pos="2160">
           <p15:clr>
             <a:srgbClr val="A4A3A4"/>
@@ -3140,7 +3144,7 @@
               <a:pPr>
                 <a:defRPr/>
               </a:pPr>
-              <a:t>1/3/2015</a:t>
+              <a:t>1/5/2015</a:t>
             </a:fld>
             <a:endParaRPr lang="en-US"/>
           </a:p>
@@ -3354,7 +3358,7 @@
               <a:pPr>
                 <a:defRPr/>
               </a:pPr>
-              <a:t>1/3/2015</a:t>
+              <a:t>1/5/2015</a:t>
             </a:fld>
             <a:endParaRPr lang="en-US"/>
           </a:p>
@@ -4140,7 +4144,7 @@
               <a:pPr>
                 <a:defRPr/>
               </a:pPr>
-              <a:t>7</a:t>
+              <a:t>9</a:t>
             </a:fld>
             <a:endParaRPr lang="en-US"/>
           </a:p>
@@ -4186,12 +4190,7 @@
             <p:ph type="sldImg"/>
           </p:nvPr>
         </p:nvSpPr>
-        <p:spPr>
-          <a:xfrm>
-            <a:off x="381000" y="685800"/>
-            <a:ext cx="6096000" cy="3429000"/>
-          </a:xfrm>
-        </p:spPr>
+        <p:spPr/>
       </p:sp>
       <p:sp>
         <p:nvSpPr>
@@ -4208,7 +4207,19 @@
           <a:bodyPr/>
           <a:lstStyle/>
           <a:p>
-            <a:endParaRPr lang="en-US" dirty="0" smtClean="0"/>
+            <a:r>
+              <a:rPr lang="en-US" dirty="0" smtClean="0"/>
+              <a:t>Note that the factory returns a </a:t>
+            </a:r>
+            <a:r>
+              <a:rPr lang="en-US" dirty="0" err="1" smtClean="0"/>
+              <a:t>SqlConnection</a:t>
+            </a:r>
+            <a:r>
+              <a:rPr lang="en-US" dirty="0" smtClean="0"/>
+              <a:t>, so swapping a different type could be done in this one place.</a:t>
+            </a:r>
+            <a:endParaRPr lang="en-US" dirty="0"/>
           </a:p>
         </p:txBody>
       </p:sp>
@@ -4230,12 +4241,12 @@
             <a:pPr>
               <a:defRPr/>
             </a:pPr>
-            <a:fld id="{91D3ED3D-50FD-8C49-9A48-E2F99415FBB5}" type="slidenum">
+            <a:fld id="{2AC4C899-9D0B-4CD2-9550-B744A632E7B4}" type="slidenum">
               <a:rPr lang="en-US" smtClean="0"/>
               <a:pPr>
                 <a:defRPr/>
               </a:pPr>
-              <a:t>8</a:t>
+              <a:t>10</a:t>
             </a:fld>
             <a:endParaRPr lang="en-US"/>
           </a:p>
@@ -4244,7 +4255,7 @@
     </p:spTree>
     <p:extLst>
       <p:ext uri="{BB962C8B-B14F-4D97-AF65-F5344CB8AC3E}">
-        <p14:creationId xmlns:p14="http://schemas.microsoft.com/office/powerpoint/2010/main" val="1619799561"/>
+        <p14:creationId xmlns:p14="http://schemas.microsoft.com/office/powerpoint/2010/main" val="3961604416"/>
       </p:ext>
     </p:extLst>
   </p:cSld>
@@ -4303,7 +4314,7 @@
           <a:bodyPr/>
           <a:lstStyle/>
           <a:p>
-            <a:endParaRPr lang="en-US" dirty="0"/>
+            <a:endParaRPr lang="en-US" dirty="0" smtClean="0"/>
           </a:p>
         </p:txBody>
       </p:sp>
@@ -4330,7 +4341,7 @@
               <a:pPr>
                 <a:defRPr/>
               </a:pPr>
-              <a:t>9</a:t>
+              <a:t>11</a:t>
             </a:fld>
             <a:endParaRPr lang="en-US"/>
           </a:p>
@@ -4339,7 +4350,7 @@
     </p:spTree>
     <p:extLst>
       <p:ext uri="{BB962C8B-B14F-4D97-AF65-F5344CB8AC3E}">
-        <p14:creationId xmlns:p14="http://schemas.microsoft.com/office/powerpoint/2010/main" val="2625266776"/>
+        <p14:creationId xmlns:p14="http://schemas.microsoft.com/office/powerpoint/2010/main" val="1619799561"/>
       </p:ext>
     </p:extLst>
   </p:cSld>
@@ -4398,14 +4409,6 @@
           <a:bodyPr/>
           <a:lstStyle/>
           <a:p>
-            <a:r>
-              <a:rPr lang="en-US" dirty="0" smtClean="0"/>
-              <a:t>The arrows can be represented by commands.  Unlike</a:t>
-            </a:r>
-            <a:r>
-              <a:rPr lang="en-US" baseline="0" dirty="0" smtClean="0"/>
-              <a:t> basic object oriented design, which teaches that the nouns in a problem are the classes and the verbs are methods, the Command pattern represents verbs as classes</a:t>
-            </a:r>
             <a:endParaRPr lang="en-US" dirty="0"/>
           </a:p>
         </p:txBody>
@@ -4433,7 +4436,123 @@
               <a:pPr>
                 <a:defRPr/>
               </a:pPr>
-              <a:t>10</a:t>
+              <a:t>12</a:t>
+            </a:fld>
+            <a:endParaRPr lang="en-US"/>
+          </a:p>
+        </p:txBody>
+      </p:sp>
+    </p:spTree>
+    <p:extLst>
+      <p:ext uri="{BB962C8B-B14F-4D97-AF65-F5344CB8AC3E}">
+        <p14:creationId xmlns:p14="http://schemas.microsoft.com/office/powerpoint/2010/main" val="2625266776"/>
+      </p:ext>
+    </p:extLst>
+  </p:cSld>
+  <p:clrMapOvr>
+    <a:masterClrMapping/>
+  </p:clrMapOvr>
+</p:notes>
+</file>
+
+<file path=ppt/notesSlides/notesSlide7.xml><?xml version="1.0" encoding="utf-8"?>
+<p:notes xmlns:a="http://schemas.openxmlformats.org/drawingml/2006/main" xmlns:r="http://schemas.openxmlformats.org/officeDocument/2006/relationships" xmlns:p="http://schemas.openxmlformats.org/presentationml/2006/main">
+  <p:cSld>
+    <p:spTree>
+      <p:nvGrpSpPr>
+        <p:cNvPr id="1" name=""/>
+        <p:cNvGrpSpPr/>
+        <p:nvPr/>
+      </p:nvGrpSpPr>
+      <p:grpSpPr>
+        <a:xfrm>
+          <a:off x="0" y="0"/>
+          <a:ext cx="0" cy="0"/>
+          <a:chOff x="0" y="0"/>
+          <a:chExt cx="0" cy="0"/>
+        </a:xfrm>
+      </p:grpSpPr>
+      <p:sp>
+        <p:nvSpPr>
+          <p:cNvPr id="2" name="Slide Image Placeholder 1"/>
+          <p:cNvSpPr>
+            <a:spLocks noGrp="1" noRot="1" noChangeAspect="1"/>
+          </p:cNvSpPr>
+          <p:nvPr>
+            <p:ph type="sldImg"/>
+          </p:nvPr>
+        </p:nvSpPr>
+        <p:spPr>
+          <a:xfrm>
+            <a:off x="381000" y="685800"/>
+            <a:ext cx="6096000" cy="3429000"/>
+          </a:xfrm>
+        </p:spPr>
+      </p:sp>
+      <p:sp>
+        <p:nvSpPr>
+          <p:cNvPr id="3" name="Notes Placeholder 2"/>
+          <p:cNvSpPr>
+            <a:spLocks noGrp="1"/>
+          </p:cNvSpPr>
+          <p:nvPr>
+            <p:ph type="body" idx="1"/>
+          </p:nvPr>
+        </p:nvSpPr>
+        <p:spPr/>
+        <p:txBody>
+          <a:bodyPr/>
+          <a:lstStyle/>
+          <a:p>
+            <a:r>
+              <a:rPr lang="en-US" dirty="0" smtClean="0"/>
+              <a:t>The arrows can be represented by commands.  Unlike</a:t>
+            </a:r>
+            <a:r>
+              <a:rPr lang="en-US" baseline="0" dirty="0" smtClean="0"/>
+              <a:t> basic object oriented design, which teaches that the nouns in a problem are the classes and the verbs are methods, the Command pattern represents verbs as </a:t>
+            </a:r>
+            <a:r>
+              <a:rPr lang="en-US" baseline="0" dirty="0" smtClean="0"/>
+              <a:t>classes.</a:t>
+            </a:r>
+          </a:p>
+          <a:p>
+            <a:endParaRPr lang="en-US" baseline="0" dirty="0" smtClean="0"/>
+          </a:p>
+          <a:p>
+            <a:r>
+              <a:rPr lang="en-US" baseline="0" dirty="0" smtClean="0"/>
+              <a:t>Another classic example is to hold onto an array of commands to implement an “undo” list.</a:t>
+            </a:r>
+            <a:endParaRPr lang="en-US" dirty="0"/>
+          </a:p>
+        </p:txBody>
+      </p:sp>
+      <p:sp>
+        <p:nvSpPr>
+          <p:cNvPr id="4" name="Slide Number Placeholder 3"/>
+          <p:cNvSpPr>
+            <a:spLocks noGrp="1"/>
+          </p:cNvSpPr>
+          <p:nvPr>
+            <p:ph type="sldNum" sz="quarter" idx="10"/>
+          </p:nvPr>
+        </p:nvSpPr>
+        <p:spPr/>
+        <p:txBody>
+          <a:bodyPr/>
+          <a:lstStyle/>
+          <a:p>
+            <a:pPr>
+              <a:defRPr/>
+            </a:pPr>
+            <a:fld id="{91D3ED3D-50FD-8C49-9A48-E2F99415FBB5}" type="slidenum">
+              <a:rPr lang="en-US" smtClean="0"/>
+              <a:pPr>
+                <a:defRPr/>
+              </a:pPr>
+              <a:t>13</a:t>
             </a:fld>
             <a:endParaRPr lang="en-US"/>
           </a:p>
@@ -4452,7 +4571,7 @@
 </p:notes>
 </file>
 
-<file path=ppt/notesSlides/notesSlide7.xml><?xml version="1.0" encoding="utf-8"?>
+<file path=ppt/notesSlides/notesSlide8.xml><?xml version="1.0" encoding="utf-8"?>
 <p:notes xmlns:a="http://schemas.openxmlformats.org/drawingml/2006/main" xmlns:r="http://schemas.openxmlformats.org/officeDocument/2006/relationships" xmlns:p="http://schemas.openxmlformats.org/presentationml/2006/main">
   <p:cSld>
     <p:spTree>
@@ -4699,7 +4818,7 @@
                 <a:latin typeface="Calibri" panose="020F0502020204030204" pitchFamily="34" charset="0"/>
               </a:rPr>
               <a:pPr/>
-              <a:t>13</a:t>
+              <a:t>17</a:t>
             </a:fld>
             <a:endParaRPr lang="en-US" smtClean="0">
               <a:solidFill>
@@ -4904,7 +5023,7 @@
           <a:p>
             <a:fld id="{5FCC9A04-83C5-4490-B32D-67E67F46E85B}" type="datetimeFigureOut">
               <a:rPr lang="en-US" smtClean="0"/>
-              <a:t>1/3/2015</a:t>
+              <a:t>1/5/2015</a:t>
             </a:fld>
             <a:endParaRPr lang="en-US"/>
           </a:p>
@@ -5074,7 +5193,7 @@
           <a:p>
             <a:fld id="{5FCC9A04-83C5-4490-B32D-67E67F46E85B}" type="datetimeFigureOut">
               <a:rPr lang="en-US" smtClean="0"/>
-              <a:t>1/3/2015</a:t>
+              <a:t>1/5/2015</a:t>
             </a:fld>
             <a:endParaRPr lang="en-US"/>
           </a:p>
@@ -5255,7 +5374,7 @@
           <a:p>
             <a:fld id="{5FCC9A04-83C5-4490-B32D-67E67F46E85B}" type="datetimeFigureOut">
               <a:rPr lang="en-US" smtClean="0"/>
-              <a:t>1/3/2015</a:t>
+              <a:t>1/5/2015</a:t>
             </a:fld>
             <a:endParaRPr lang="en-US"/>
           </a:p>
@@ -5545,7 +5664,7 @@
           <a:p>
             <a:fld id="{5FCC9A04-83C5-4490-B32D-67E67F46E85B}" type="datetimeFigureOut">
               <a:rPr lang="en-US" smtClean="0"/>
-              <a:t>1/3/2015</a:t>
+              <a:t>1/5/2015</a:t>
             </a:fld>
             <a:endParaRPr lang="en-US"/>
           </a:p>
@@ -5792,7 +5911,7 @@
           <a:p>
             <a:fld id="{5FCC9A04-83C5-4490-B32D-67E67F46E85B}" type="datetimeFigureOut">
               <a:rPr lang="en-US" smtClean="0"/>
-              <a:t>1/3/2015</a:t>
+              <a:t>1/5/2015</a:t>
             </a:fld>
             <a:endParaRPr lang="en-US"/>
           </a:p>
@@ -6080,7 +6199,7 @@
           <a:p>
             <a:fld id="{5FCC9A04-83C5-4490-B32D-67E67F46E85B}" type="datetimeFigureOut">
               <a:rPr lang="en-US" smtClean="0"/>
-              <a:t>1/3/2015</a:t>
+              <a:t>1/5/2015</a:t>
             </a:fld>
             <a:endParaRPr lang="en-US"/>
           </a:p>
@@ -6502,7 +6621,7 @@
           <a:p>
             <a:fld id="{5FCC9A04-83C5-4490-B32D-67E67F46E85B}" type="datetimeFigureOut">
               <a:rPr lang="en-US" smtClean="0"/>
-              <a:t>1/3/2015</a:t>
+              <a:t>1/5/2015</a:t>
             </a:fld>
             <a:endParaRPr lang="en-US"/>
           </a:p>
@@ -6621,7 +6740,7 @@
           <a:p>
             <a:fld id="{5FCC9A04-83C5-4490-B32D-67E67F46E85B}" type="datetimeFigureOut">
               <a:rPr lang="en-US" smtClean="0"/>
-              <a:t>1/3/2015</a:t>
+              <a:t>1/5/2015</a:t>
             </a:fld>
             <a:endParaRPr lang="en-US"/>
           </a:p>
@@ -6717,7 +6836,7 @@
           <a:p>
             <a:fld id="{5FCC9A04-83C5-4490-B32D-67E67F46E85B}" type="datetimeFigureOut">
               <a:rPr lang="en-US" smtClean="0"/>
-              <a:t>1/3/2015</a:t>
+              <a:t>1/5/2015</a:t>
             </a:fld>
             <a:endParaRPr lang="en-US"/>
           </a:p>
@@ -6995,7 +7114,7 @@
           <a:p>
             <a:fld id="{5FCC9A04-83C5-4490-B32D-67E67F46E85B}" type="datetimeFigureOut">
               <a:rPr lang="en-US" smtClean="0"/>
-              <a:t>1/3/2015</a:t>
+              <a:t>1/5/2015</a:t>
             </a:fld>
             <a:endParaRPr lang="en-US"/>
           </a:p>
@@ -7249,7 +7368,7 @@
           <a:p>
             <a:fld id="{5FCC9A04-83C5-4490-B32D-67E67F46E85B}" type="datetimeFigureOut">
               <a:rPr lang="en-US" smtClean="0"/>
-              <a:t>1/3/2015</a:t>
+              <a:t>1/5/2015</a:t>
             </a:fld>
             <a:endParaRPr lang="en-US"/>
           </a:p>
@@ -7462,7 +7581,7 @@
           <a:p>
             <a:fld id="{5FCC9A04-83C5-4490-B32D-67E67F46E85B}" type="datetimeFigureOut">
               <a:rPr lang="en-US" smtClean="0"/>
-              <a:t>1/3/2015</a:t>
+              <a:t>1/5/2015</a:t>
             </a:fld>
             <a:endParaRPr lang="en-US"/>
           </a:p>
@@ -7931,19 +8050,7 @@
               <a:rPr lang="en-US" dirty="0" smtClean="0">
                 <a:latin typeface="News Gothic Com Thin" charset="0"/>
               </a:rPr>
-              <a:t>Jeff Valore </a:t>
-            </a:r>
-            <a:r>
-              <a:rPr lang="en-US" dirty="0" smtClean="0">
-                <a:latin typeface="News Gothic Com Thin" charset="0"/>
-              </a:rPr>
-              <a:t>| </a:t>
-            </a:r>
-            <a:r>
-              <a:rPr lang="en-US" dirty="0" smtClean="0">
-                <a:latin typeface="News Gothic Com Thin" charset="0"/>
-              </a:rPr>
-              <a:t>@</a:t>
+              <a:t>Jeff Valore | @</a:t>
             </a:r>
             <a:r>
               <a:rPr lang="en-US" dirty="0" err="1" smtClean="0">
@@ -8192,7 +8299,7 @@
       </p:grpSpPr>
       <p:sp>
         <p:nvSpPr>
-          <p:cNvPr id="5" name="Title 4"/>
+          <p:cNvPr id="2" name="Title 1"/>
           <p:cNvSpPr>
             <a:spLocks noGrp="1"/>
           </p:cNvSpPr>
@@ -8207,36 +8314,70 @@
           <a:p>
             <a:r>
               <a:rPr lang="en-US" dirty="0" smtClean="0"/>
-              <a:t>State Transitions</a:t>
+              <a:t>Factory : Example</a:t>
             </a:r>
             <a:endParaRPr lang="en-US" dirty="0"/>
           </a:p>
         </p:txBody>
       </p:sp>
-      <p:graphicFrame>
-        <p:nvGraphicFramePr>
-          <p:cNvPr id="7" name="Content Placeholder 6"/>
-          <p:cNvGraphicFramePr>
-            <a:graphicFrameLocks noGrp="1"/>
-          </p:cNvGraphicFramePr>
-          <p:nvPr>
-            <p:ph idx="1"/>
-          </p:nvPr>
-        </p:nvGraphicFramePr>
-        <p:xfrm>
-          <a:off x="457200" y="1200151"/>
-          <a:ext cx="8229600" cy="3394472"/>
-        </p:xfrm>
-        <a:graphic>
-          <a:graphicData uri="http://schemas.openxmlformats.org/drawingml/2006/diagram">
-            <dgm:relIds xmlns:dgm="http://schemas.openxmlformats.org/drawingml/2006/diagram" xmlns:r="http://schemas.openxmlformats.org/officeDocument/2006/relationships" r:dm="rId3" r:lo="rId4" r:qs="rId5" r:cs="rId6"/>
-          </a:graphicData>
-        </a:graphic>
-      </p:graphicFrame>
+      <p:pic>
+        <p:nvPicPr>
+          <p:cNvPr id="4099" name="Picture 3"/>
+          <p:cNvPicPr>
+            <a:picLocks noChangeAspect="1" noChangeArrowheads="1"/>
+          </p:cNvPicPr>
+          <p:nvPr/>
+        </p:nvPicPr>
+        <p:blipFill>
+          <a:blip r:embed="rId3">
+            <a:extLst>
+              <a:ext uri="{28A0092B-C50C-407E-A947-70E740481C1C}">
+                <a14:useLocalDpi xmlns:a14="http://schemas.microsoft.com/office/drawing/2010/main" val="0"/>
+              </a:ext>
+            </a:extLst>
+          </a:blip>
+          <a:srcRect/>
+          <a:stretch>
+            <a:fillRect/>
+          </a:stretch>
+        </p:blipFill>
+        <p:spPr bwMode="auto">
+          <a:xfrm>
+            <a:off x="2290763" y="1701616"/>
+            <a:ext cx="4562475" cy="2009775"/>
+          </a:xfrm>
+          <a:prstGeom prst="rect">
+            <a:avLst/>
+          </a:prstGeom>
+          <a:noFill/>
+          <a:ln>
+            <a:noFill/>
+          </a:ln>
+          <a:extLst>
+            <a:ext uri="{909E8E84-426E-40DD-AFC4-6F175D3DCCD1}">
+              <a14:hiddenFill xmlns:a14="http://schemas.microsoft.com/office/drawing/2010/main">
+                <a:solidFill>
+                  <a:schemeClr val="accent1"/>
+                </a:solidFill>
+              </a14:hiddenFill>
+            </a:ext>
+            <a:ext uri="{91240B29-F687-4F45-9708-019B960494DF}">
+              <a14:hiddenLine xmlns:a14="http://schemas.microsoft.com/office/drawing/2010/main" w="9525">
+                <a:solidFill>
+                  <a:schemeClr val="tx1"/>
+                </a:solidFill>
+                <a:miter lim="800000"/>
+                <a:headEnd/>
+                <a:tailEnd/>
+              </a14:hiddenLine>
+            </a:ext>
+          </a:extLst>
+        </p:spPr>
+      </p:pic>
     </p:spTree>
     <p:extLst>
       <p:ext uri="{BB962C8B-B14F-4D97-AF65-F5344CB8AC3E}">
-        <p14:creationId xmlns:p14="http://schemas.microsoft.com/office/powerpoint/2010/main" val="2256765608"/>
+        <p14:creationId xmlns:p14="http://schemas.microsoft.com/office/powerpoint/2010/main" val="939215241"/>
       </p:ext>
     </p:extLst>
   </p:cSld>
@@ -8287,7 +8428,11 @@
           <a:p>
             <a:r>
               <a:rPr lang="en-US" dirty="0" smtClean="0"/>
-              <a:t>Rules Engine</a:t>
+              <a:t>Command : </a:t>
+            </a:r>
+            <a:r>
+              <a:rPr lang="en-US" dirty="0" smtClean="0"/>
+              <a:t>Intent</a:t>
             </a:r>
             <a:endParaRPr lang="en-US" dirty="0"/>
           </a:p>
@@ -8300,50 +8445,82 @@
             <a:spLocks noGrp="1"/>
           </p:cNvSpPr>
           <p:nvPr>
-            <p:ph idx="1"/>
+            <p:ph sz="half" idx="1"/>
           </p:nvPr>
         </p:nvSpPr>
         <p:spPr/>
         <p:txBody>
-          <a:bodyPr>
-            <a:normAutofit fontScale="92500" lnSpcReduction="10000"/>
-          </a:bodyPr>
+          <a:bodyPr/>
           <a:lstStyle/>
           <a:p>
             <a:r>
-              <a:rPr lang="en-US" dirty="0" smtClean="0"/>
-              <a:t>Useful when set of special cases is constantly changing/growing</a:t>
-            </a:r>
-          </a:p>
-          <a:p>
-            <a:endParaRPr lang="en-US" dirty="0"/>
-          </a:p>
-          <a:p>
-            <a:r>
-              <a:rPr lang="en-US" dirty="0" smtClean="0"/>
-              <a:t>Examples:</a:t>
+              <a:rPr lang="en-US" sz="2000" dirty="0"/>
+              <a:t>Represent an action as an object</a:t>
+            </a:r>
+          </a:p>
+          <a:p>
+            <a:endParaRPr lang="en-US" sz="2000" dirty="0"/>
+          </a:p>
+          <a:p>
+            <a:r>
+              <a:rPr lang="en-US" sz="2000" dirty="0"/>
+              <a:t>Decouple performing the action from the client that is issuing the command</a:t>
+            </a:r>
+          </a:p>
+          <a:p>
+            <a:endParaRPr lang="en-US" sz="2000" dirty="0"/>
+          </a:p>
+        </p:txBody>
+      </p:sp>
+      <p:sp>
+        <p:nvSpPr>
+          <p:cNvPr id="4" name="Content Placeholder 3"/>
+          <p:cNvSpPr>
+            <a:spLocks noGrp="1"/>
+          </p:cNvSpPr>
+          <p:nvPr>
+            <p:ph sz="half" idx="2"/>
+          </p:nvPr>
+        </p:nvSpPr>
+        <p:spPr/>
+        <p:txBody>
+          <a:bodyPr/>
+          <a:lstStyle/>
+          <a:p>
+            <a:r>
+              <a:rPr lang="en-US" sz="2000" dirty="0"/>
+              <a:t>Common uses:</a:t>
             </a:r>
           </a:p>
           <a:p>
             <a:pPr lvl="1"/>
             <a:r>
-              <a:rPr lang="en-US" dirty="0" smtClean="0"/>
-              <a:t>Game rules</a:t>
+              <a:rPr lang="en-US" sz="1800" dirty="0"/>
+              <a:t>Delayed execution</a:t>
             </a:r>
           </a:p>
           <a:p>
             <a:pPr lvl="1"/>
             <a:r>
-              <a:rPr lang="en-US" dirty="0" smtClean="0"/>
-              <a:t>Pricing rules</a:t>
+              <a:rPr lang="en-US" sz="1800" dirty="0"/>
+              <a:t>Logging activity</a:t>
             </a:r>
           </a:p>
           <a:p>
             <a:pPr lvl="1"/>
             <a:r>
-              <a:rPr lang="en-US" dirty="0" smtClean="0"/>
-              <a:t>Advertisement target/selection rules</a:t>
-            </a:r>
+              <a:rPr lang="en-US" sz="1800" dirty="0"/>
+              <a:t>Scaling processes</a:t>
+            </a:r>
+          </a:p>
+          <a:p>
+            <a:pPr lvl="1"/>
+            <a:r>
+              <a:rPr lang="en-US" sz="1800" dirty="0"/>
+              <a:t>State machine implementation</a:t>
+            </a:r>
+          </a:p>
+          <a:p>
             <a:endParaRPr lang="en-US" dirty="0"/>
           </a:p>
         </p:txBody>
@@ -8351,7 +8528,471 @@
     </p:spTree>
     <p:extLst>
       <p:ext uri="{BB962C8B-B14F-4D97-AF65-F5344CB8AC3E}">
-        <p14:creationId xmlns:p14="http://schemas.microsoft.com/office/powerpoint/2010/main" val="1547792397"/>
+        <p14:creationId xmlns:p14="http://schemas.microsoft.com/office/powerpoint/2010/main" val="1053020650"/>
+      </p:ext>
+    </p:extLst>
+  </p:cSld>
+  <p:clrMapOvr>
+    <a:masterClrMapping/>
+  </p:clrMapOvr>
+  <p:timing>
+    <p:tnLst>
+      <p:par>
+        <p:cTn id="1" dur="indefinite" restart="never" nodeType="tmRoot">
+          <p:childTnLst>
+            <p:seq concurrent="1" nextAc="seek">
+              <p:cTn id="2" dur="indefinite" nodeType="mainSeq">
+                <p:childTnLst>
+                  <p:par>
+                    <p:cTn id="3" fill="hold">
+                      <p:stCondLst>
+                        <p:cond delay="indefinite"/>
+                        <p:cond evt="onBegin" delay="0">
+                          <p:tn val="2"/>
+                        </p:cond>
+                      </p:stCondLst>
+                      <p:childTnLst>
+                        <p:par>
+                          <p:cTn id="4" fill="hold">
+                            <p:stCondLst>
+                              <p:cond delay="0"/>
+                            </p:stCondLst>
+                            <p:childTnLst>
+                              <p:par>
+                                <p:cTn id="5" presetID="10" presetClass="entr" presetSubtype="0" fill="hold" grpId="0" nodeType="afterEffect">
+                                  <p:stCondLst>
+                                    <p:cond delay="0"/>
+                                  </p:stCondLst>
+                                  <p:childTnLst>
+                                    <p:set>
+                                      <p:cBhvr>
+                                        <p:cTn id="6" dur="1" fill="hold">
+                                          <p:stCondLst>
+                                            <p:cond delay="0"/>
+                                          </p:stCondLst>
+                                        </p:cTn>
+                                        <p:tgtEl>
+                                          <p:spTgt spid="2">
+                                            <p:txEl>
+                                              <p:pRg st="0" end="0"/>
+                                            </p:txEl>
+                                          </p:spTgt>
+                                        </p:tgtEl>
+                                        <p:attrNameLst>
+                                          <p:attrName>style.visibility</p:attrName>
+                                        </p:attrNameLst>
+                                      </p:cBhvr>
+                                      <p:to>
+                                        <p:strVal val="visible"/>
+                                      </p:to>
+                                    </p:set>
+                                    <p:animEffect transition="in" filter="fade">
+                                      <p:cBhvr>
+                                        <p:cTn id="7" dur="500"/>
+                                        <p:tgtEl>
+                                          <p:spTgt spid="2">
+                                            <p:txEl>
+                                              <p:pRg st="0" end="0"/>
+                                            </p:txEl>
+                                          </p:spTgt>
+                                        </p:tgtEl>
+                                      </p:cBhvr>
+                                    </p:animEffect>
+                                  </p:childTnLst>
+                                </p:cTn>
+                              </p:par>
+                            </p:childTnLst>
+                          </p:cTn>
+                        </p:par>
+                        <p:par>
+                          <p:cTn id="8" fill="hold">
+                            <p:stCondLst>
+                              <p:cond delay="500"/>
+                            </p:stCondLst>
+                            <p:childTnLst>
+                              <p:par>
+                                <p:cTn id="9" presetID="10" presetClass="entr" presetSubtype="0" fill="hold" grpId="0" nodeType="afterEffect">
+                                  <p:stCondLst>
+                                    <p:cond delay="0"/>
+                                  </p:stCondLst>
+                                  <p:childTnLst>
+                                    <p:set>
+                                      <p:cBhvr>
+                                        <p:cTn id="10" dur="1" fill="hold">
+                                          <p:stCondLst>
+                                            <p:cond delay="0"/>
+                                          </p:stCondLst>
+                                        </p:cTn>
+                                        <p:tgtEl>
+                                          <p:spTgt spid="2">
+                                            <p:txEl>
+                                              <p:pRg st="2" end="2"/>
+                                            </p:txEl>
+                                          </p:spTgt>
+                                        </p:tgtEl>
+                                        <p:attrNameLst>
+                                          <p:attrName>style.visibility</p:attrName>
+                                        </p:attrNameLst>
+                                      </p:cBhvr>
+                                      <p:to>
+                                        <p:strVal val="visible"/>
+                                      </p:to>
+                                    </p:set>
+                                    <p:animEffect transition="in" filter="fade">
+                                      <p:cBhvr>
+                                        <p:cTn id="11" dur="500"/>
+                                        <p:tgtEl>
+                                          <p:spTgt spid="2">
+                                            <p:txEl>
+                                              <p:pRg st="2" end="2"/>
+                                            </p:txEl>
+                                          </p:spTgt>
+                                        </p:tgtEl>
+                                      </p:cBhvr>
+                                    </p:animEffect>
+                                  </p:childTnLst>
+                                </p:cTn>
+                              </p:par>
+                            </p:childTnLst>
+                          </p:cTn>
+                        </p:par>
+                        <p:par>
+                          <p:cTn id="12" fill="hold">
+                            <p:stCondLst>
+                              <p:cond delay="1000"/>
+                            </p:stCondLst>
+                            <p:childTnLst>
+                              <p:par>
+                                <p:cTn id="13" presetID="10" presetClass="entr" presetSubtype="0" fill="hold" grpId="0" nodeType="afterEffect">
+                                  <p:stCondLst>
+                                    <p:cond delay="0"/>
+                                  </p:stCondLst>
+                                  <p:childTnLst>
+                                    <p:set>
+                                      <p:cBhvr>
+                                        <p:cTn id="14" dur="1" fill="hold">
+                                          <p:stCondLst>
+                                            <p:cond delay="0"/>
+                                          </p:stCondLst>
+                                        </p:cTn>
+                                        <p:tgtEl>
+                                          <p:spTgt spid="4">
+                                            <p:txEl>
+                                              <p:pRg st="0" end="0"/>
+                                            </p:txEl>
+                                          </p:spTgt>
+                                        </p:tgtEl>
+                                        <p:attrNameLst>
+                                          <p:attrName>style.visibility</p:attrName>
+                                        </p:attrNameLst>
+                                      </p:cBhvr>
+                                      <p:to>
+                                        <p:strVal val="visible"/>
+                                      </p:to>
+                                    </p:set>
+                                    <p:animEffect transition="in" filter="fade">
+                                      <p:cBhvr>
+                                        <p:cTn id="15" dur="500"/>
+                                        <p:tgtEl>
+                                          <p:spTgt spid="4">
+                                            <p:txEl>
+                                              <p:pRg st="0" end="0"/>
+                                            </p:txEl>
+                                          </p:spTgt>
+                                        </p:tgtEl>
+                                      </p:cBhvr>
+                                    </p:animEffect>
+                                  </p:childTnLst>
+                                </p:cTn>
+                              </p:par>
+                              <p:par>
+                                <p:cTn id="16" presetID="10" presetClass="entr" presetSubtype="0" fill="hold" grpId="0" nodeType="withEffect">
+                                  <p:stCondLst>
+                                    <p:cond delay="0"/>
+                                  </p:stCondLst>
+                                  <p:childTnLst>
+                                    <p:set>
+                                      <p:cBhvr>
+                                        <p:cTn id="17" dur="1" fill="hold">
+                                          <p:stCondLst>
+                                            <p:cond delay="0"/>
+                                          </p:stCondLst>
+                                        </p:cTn>
+                                        <p:tgtEl>
+                                          <p:spTgt spid="4">
+                                            <p:txEl>
+                                              <p:pRg st="1" end="1"/>
+                                            </p:txEl>
+                                          </p:spTgt>
+                                        </p:tgtEl>
+                                        <p:attrNameLst>
+                                          <p:attrName>style.visibility</p:attrName>
+                                        </p:attrNameLst>
+                                      </p:cBhvr>
+                                      <p:to>
+                                        <p:strVal val="visible"/>
+                                      </p:to>
+                                    </p:set>
+                                    <p:animEffect transition="in" filter="fade">
+                                      <p:cBhvr>
+                                        <p:cTn id="18" dur="500"/>
+                                        <p:tgtEl>
+                                          <p:spTgt spid="4">
+                                            <p:txEl>
+                                              <p:pRg st="1" end="1"/>
+                                            </p:txEl>
+                                          </p:spTgt>
+                                        </p:tgtEl>
+                                      </p:cBhvr>
+                                    </p:animEffect>
+                                  </p:childTnLst>
+                                </p:cTn>
+                              </p:par>
+                              <p:par>
+                                <p:cTn id="19" presetID="10" presetClass="entr" presetSubtype="0" fill="hold" grpId="0" nodeType="withEffect">
+                                  <p:stCondLst>
+                                    <p:cond delay="0"/>
+                                  </p:stCondLst>
+                                  <p:childTnLst>
+                                    <p:set>
+                                      <p:cBhvr>
+                                        <p:cTn id="20" dur="1" fill="hold">
+                                          <p:stCondLst>
+                                            <p:cond delay="0"/>
+                                          </p:stCondLst>
+                                        </p:cTn>
+                                        <p:tgtEl>
+                                          <p:spTgt spid="4">
+                                            <p:txEl>
+                                              <p:pRg st="2" end="2"/>
+                                            </p:txEl>
+                                          </p:spTgt>
+                                        </p:tgtEl>
+                                        <p:attrNameLst>
+                                          <p:attrName>style.visibility</p:attrName>
+                                        </p:attrNameLst>
+                                      </p:cBhvr>
+                                      <p:to>
+                                        <p:strVal val="visible"/>
+                                      </p:to>
+                                    </p:set>
+                                    <p:animEffect transition="in" filter="fade">
+                                      <p:cBhvr>
+                                        <p:cTn id="21" dur="500"/>
+                                        <p:tgtEl>
+                                          <p:spTgt spid="4">
+                                            <p:txEl>
+                                              <p:pRg st="2" end="2"/>
+                                            </p:txEl>
+                                          </p:spTgt>
+                                        </p:tgtEl>
+                                      </p:cBhvr>
+                                    </p:animEffect>
+                                  </p:childTnLst>
+                                </p:cTn>
+                              </p:par>
+                              <p:par>
+                                <p:cTn id="22" presetID="10" presetClass="entr" presetSubtype="0" fill="hold" grpId="0" nodeType="withEffect">
+                                  <p:stCondLst>
+                                    <p:cond delay="0"/>
+                                  </p:stCondLst>
+                                  <p:childTnLst>
+                                    <p:set>
+                                      <p:cBhvr>
+                                        <p:cTn id="23" dur="1" fill="hold">
+                                          <p:stCondLst>
+                                            <p:cond delay="0"/>
+                                          </p:stCondLst>
+                                        </p:cTn>
+                                        <p:tgtEl>
+                                          <p:spTgt spid="4">
+                                            <p:txEl>
+                                              <p:pRg st="3" end="3"/>
+                                            </p:txEl>
+                                          </p:spTgt>
+                                        </p:tgtEl>
+                                        <p:attrNameLst>
+                                          <p:attrName>style.visibility</p:attrName>
+                                        </p:attrNameLst>
+                                      </p:cBhvr>
+                                      <p:to>
+                                        <p:strVal val="visible"/>
+                                      </p:to>
+                                    </p:set>
+                                    <p:animEffect transition="in" filter="fade">
+                                      <p:cBhvr>
+                                        <p:cTn id="24" dur="500"/>
+                                        <p:tgtEl>
+                                          <p:spTgt spid="4">
+                                            <p:txEl>
+                                              <p:pRg st="3" end="3"/>
+                                            </p:txEl>
+                                          </p:spTgt>
+                                        </p:tgtEl>
+                                      </p:cBhvr>
+                                    </p:animEffect>
+                                  </p:childTnLst>
+                                </p:cTn>
+                              </p:par>
+                              <p:par>
+                                <p:cTn id="25" presetID="10" presetClass="entr" presetSubtype="0" fill="hold" grpId="0" nodeType="withEffect">
+                                  <p:stCondLst>
+                                    <p:cond delay="0"/>
+                                  </p:stCondLst>
+                                  <p:childTnLst>
+                                    <p:set>
+                                      <p:cBhvr>
+                                        <p:cTn id="26" dur="1" fill="hold">
+                                          <p:stCondLst>
+                                            <p:cond delay="0"/>
+                                          </p:stCondLst>
+                                        </p:cTn>
+                                        <p:tgtEl>
+                                          <p:spTgt spid="4">
+                                            <p:txEl>
+                                              <p:pRg st="4" end="4"/>
+                                            </p:txEl>
+                                          </p:spTgt>
+                                        </p:tgtEl>
+                                        <p:attrNameLst>
+                                          <p:attrName>style.visibility</p:attrName>
+                                        </p:attrNameLst>
+                                      </p:cBhvr>
+                                      <p:to>
+                                        <p:strVal val="visible"/>
+                                      </p:to>
+                                    </p:set>
+                                    <p:animEffect transition="in" filter="fade">
+                                      <p:cBhvr>
+                                        <p:cTn id="27" dur="500"/>
+                                        <p:tgtEl>
+                                          <p:spTgt spid="4">
+                                            <p:txEl>
+                                              <p:pRg st="4" end="4"/>
+                                            </p:txEl>
+                                          </p:spTgt>
+                                        </p:tgtEl>
+                                      </p:cBhvr>
+                                    </p:animEffect>
+                                  </p:childTnLst>
+                                </p:cTn>
+                              </p:par>
+                            </p:childTnLst>
+                          </p:cTn>
+                        </p:par>
+                      </p:childTnLst>
+                    </p:cTn>
+                  </p:par>
+                </p:childTnLst>
+              </p:cTn>
+              <p:prevCondLst>
+                <p:cond evt="onPrev" delay="0">
+                  <p:tgtEl>
+                    <p:sldTgt/>
+                  </p:tgtEl>
+                </p:cond>
+              </p:prevCondLst>
+              <p:nextCondLst>
+                <p:cond evt="onNext" delay="0">
+                  <p:tgtEl>
+                    <p:sldTgt/>
+                  </p:tgtEl>
+                </p:cond>
+              </p:nextCondLst>
+            </p:seq>
+          </p:childTnLst>
+        </p:cTn>
+      </p:par>
+    </p:tnLst>
+    <p:bldLst>
+      <p:bldP spid="2" grpId="0" uiExpand="1" build="p"/>
+      <p:bldP spid="4" grpId="0" uiExpand="1" build="p"/>
+    </p:bldLst>
+  </p:timing>
+</p:sld>
+</file>
+
+<file path=ppt/slides/slide12.xml><?xml version="1.0" encoding="utf-8"?>
+<p:sld xmlns:a="http://schemas.openxmlformats.org/drawingml/2006/main" xmlns:r="http://schemas.openxmlformats.org/officeDocument/2006/relationships" xmlns:p="http://schemas.openxmlformats.org/presentationml/2006/main">
+  <p:cSld>
+    <p:spTree>
+      <p:nvGrpSpPr>
+        <p:cNvPr id="1" name=""/>
+        <p:cNvGrpSpPr/>
+        <p:nvPr/>
+      </p:nvGrpSpPr>
+      <p:grpSpPr>
+        <a:xfrm>
+          <a:off x="0" y="0"/>
+          <a:ext cx="0" cy="0"/>
+          <a:chOff x="0" y="0"/>
+          <a:chExt cx="0" cy="0"/>
+        </a:xfrm>
+      </p:grpSpPr>
+      <p:sp>
+        <p:nvSpPr>
+          <p:cNvPr id="5" name="Title 4"/>
+          <p:cNvSpPr>
+            <a:spLocks noGrp="1"/>
+          </p:cNvSpPr>
+          <p:nvPr>
+            <p:ph type="title"/>
+          </p:nvPr>
+        </p:nvSpPr>
+        <p:spPr/>
+        <p:txBody>
+          <a:bodyPr/>
+          <a:lstStyle/>
+          <a:p>
+            <a:r>
+              <a:rPr lang="en-US" dirty="0" smtClean="0"/>
+              <a:t>Command : </a:t>
+            </a:r>
+            <a:r>
+              <a:rPr lang="en-US" dirty="0" smtClean="0"/>
+              <a:t>Structure</a:t>
+            </a:r>
+            <a:endParaRPr lang="en-US" dirty="0"/>
+          </a:p>
+        </p:txBody>
+      </p:sp>
+      <p:pic>
+        <p:nvPicPr>
+          <p:cNvPr id="7" name="Picture 2"/>
+          <p:cNvPicPr>
+            <a:picLocks noGrp="1" noChangeAspect="1" noChangeArrowheads="1"/>
+          </p:cNvPicPr>
+          <p:nvPr>
+            <p:ph idx="1"/>
+          </p:nvPr>
+        </p:nvPicPr>
+        <p:blipFill>
+          <a:blip r:embed="rId3" cstate="print"/>
+          <a:stretch>
+            <a:fillRect/>
+          </a:stretch>
+        </p:blipFill>
+        <p:spPr bwMode="auto">
+          <a:xfrm>
+            <a:off x="2210095" y="1725957"/>
+            <a:ext cx="4723810" cy="2342858"/>
+          </a:xfrm>
+          <a:prstGeom prst="rect">
+            <a:avLst/>
+          </a:prstGeom>
+          <a:noFill/>
+          <a:ln w="9525">
+            <a:noFill/>
+            <a:miter lim="800000"/>
+            <a:headEnd/>
+            <a:tailEnd/>
+          </a:ln>
+        </p:spPr>
+      </p:pic>
+    </p:spTree>
+    <p:extLst>
+      <p:ext uri="{BB962C8B-B14F-4D97-AF65-F5344CB8AC3E}">
+        <p14:creationId xmlns:p14="http://schemas.microsoft.com/office/powerpoint/2010/main" val="2541846671"/>
       </p:ext>
     </p:extLst>
   </p:cSld>
@@ -8368,7 +9009,87 @@
 </p:sld>
 </file>
 
-<file path=ppt/slides/slide12.xml><?xml version="1.0" encoding="utf-8"?>
+<file path=ppt/slides/slide13.xml><?xml version="1.0" encoding="utf-8"?>
+<p:sld xmlns:a="http://schemas.openxmlformats.org/drawingml/2006/main" xmlns:r="http://schemas.openxmlformats.org/officeDocument/2006/relationships" xmlns:p="http://schemas.openxmlformats.org/presentationml/2006/main">
+  <p:cSld>
+    <p:spTree>
+      <p:nvGrpSpPr>
+        <p:cNvPr id="1" name=""/>
+        <p:cNvGrpSpPr/>
+        <p:nvPr/>
+      </p:nvGrpSpPr>
+      <p:grpSpPr>
+        <a:xfrm>
+          <a:off x="0" y="0"/>
+          <a:ext cx="0" cy="0"/>
+          <a:chOff x="0" y="0"/>
+          <a:chExt cx="0" cy="0"/>
+        </a:xfrm>
+      </p:grpSpPr>
+      <p:sp>
+        <p:nvSpPr>
+          <p:cNvPr id="5" name="Title 4"/>
+          <p:cNvSpPr>
+            <a:spLocks noGrp="1"/>
+          </p:cNvSpPr>
+          <p:nvPr>
+            <p:ph type="title"/>
+          </p:nvPr>
+        </p:nvSpPr>
+        <p:spPr/>
+        <p:txBody>
+          <a:bodyPr/>
+          <a:lstStyle/>
+          <a:p>
+            <a:r>
+              <a:rPr lang="en-US" dirty="0" smtClean="0"/>
+              <a:t>State Transitions</a:t>
+            </a:r>
+            <a:endParaRPr lang="en-US" dirty="0"/>
+          </a:p>
+        </p:txBody>
+      </p:sp>
+      <p:graphicFrame>
+        <p:nvGraphicFramePr>
+          <p:cNvPr id="7" name="Content Placeholder 6"/>
+          <p:cNvGraphicFramePr>
+            <a:graphicFrameLocks noGrp="1"/>
+          </p:cNvGraphicFramePr>
+          <p:nvPr>
+            <p:ph idx="1"/>
+          </p:nvPr>
+        </p:nvGraphicFramePr>
+        <p:xfrm>
+          <a:off x="457200" y="1200151"/>
+          <a:ext cx="8229600" cy="3394472"/>
+        </p:xfrm>
+        <a:graphic>
+          <a:graphicData uri="http://schemas.openxmlformats.org/drawingml/2006/diagram">
+            <dgm:relIds xmlns:dgm="http://schemas.openxmlformats.org/drawingml/2006/diagram" xmlns:r="http://schemas.openxmlformats.org/officeDocument/2006/relationships" r:dm="rId3" r:lo="rId4" r:qs="rId5" r:cs="rId6"/>
+          </a:graphicData>
+        </a:graphic>
+      </p:graphicFrame>
+    </p:spTree>
+    <p:extLst>
+      <p:ext uri="{BB962C8B-B14F-4D97-AF65-F5344CB8AC3E}">
+        <p14:creationId xmlns:p14="http://schemas.microsoft.com/office/powerpoint/2010/main" val="2256765608"/>
+      </p:ext>
+    </p:extLst>
+  </p:cSld>
+  <p:clrMapOvr>
+    <a:masterClrMapping/>
+  </p:clrMapOvr>
+  <p:timing>
+    <p:tnLst>
+      <p:par>
+        <p:cTn id="1" dur="indefinite" restart="never" nodeType="tmRoot"/>
+      </p:par>
+    </p:tnLst>
+  </p:timing>
+</p:sld>
+</file>
+
+<file path=ppt/slides/slide14.xml><?xml version="1.0" encoding="utf-8"?>
 <p:sld xmlns:a="http://schemas.openxmlformats.org/drawingml/2006/main" xmlns:r="http://schemas.openxmlformats.org/officeDocument/2006/relationships" xmlns:p="http://schemas.openxmlformats.org/presentationml/2006/main">
   <p:cSld>
     <p:spTree>
@@ -8402,6 +9123,125 @@
           <a:p>
             <a:r>
               <a:rPr lang="en-US" dirty="0" smtClean="0"/>
+              <a:t>Rules </a:t>
+            </a:r>
+            <a:r>
+              <a:rPr lang="en-US" dirty="0" smtClean="0"/>
+              <a:t>Engine</a:t>
+            </a:r>
+            <a:endParaRPr lang="en-US" dirty="0"/>
+          </a:p>
+        </p:txBody>
+      </p:sp>
+      <p:sp>
+        <p:nvSpPr>
+          <p:cNvPr id="2" name="Content Placeholder 1"/>
+          <p:cNvSpPr>
+            <a:spLocks noGrp="1"/>
+          </p:cNvSpPr>
+          <p:nvPr>
+            <p:ph idx="1"/>
+          </p:nvPr>
+        </p:nvSpPr>
+        <p:spPr/>
+        <p:txBody>
+          <a:bodyPr>
+            <a:normAutofit fontScale="92500" lnSpcReduction="10000"/>
+          </a:bodyPr>
+          <a:lstStyle/>
+          <a:p>
+            <a:r>
+              <a:rPr lang="en-US" dirty="0" smtClean="0"/>
+              <a:t>Useful when set of special cases is constantly changing/growing</a:t>
+            </a:r>
+          </a:p>
+          <a:p>
+            <a:endParaRPr lang="en-US" dirty="0"/>
+          </a:p>
+          <a:p>
+            <a:r>
+              <a:rPr lang="en-US" dirty="0" smtClean="0"/>
+              <a:t>Examples:</a:t>
+            </a:r>
+          </a:p>
+          <a:p>
+            <a:pPr lvl="1"/>
+            <a:r>
+              <a:rPr lang="en-US" dirty="0" smtClean="0"/>
+              <a:t>Game rules</a:t>
+            </a:r>
+          </a:p>
+          <a:p>
+            <a:pPr lvl="1"/>
+            <a:r>
+              <a:rPr lang="en-US" dirty="0" smtClean="0"/>
+              <a:t>Pricing rules</a:t>
+            </a:r>
+          </a:p>
+          <a:p>
+            <a:pPr lvl="1"/>
+            <a:r>
+              <a:rPr lang="en-US" dirty="0" smtClean="0"/>
+              <a:t>Advertisement target/selection rules</a:t>
+            </a:r>
+            <a:endParaRPr lang="en-US" dirty="0"/>
+          </a:p>
+        </p:txBody>
+      </p:sp>
+    </p:spTree>
+    <p:extLst>
+      <p:ext uri="{BB962C8B-B14F-4D97-AF65-F5344CB8AC3E}">
+        <p14:creationId xmlns:p14="http://schemas.microsoft.com/office/powerpoint/2010/main" val="1547792397"/>
+      </p:ext>
+    </p:extLst>
+  </p:cSld>
+  <p:clrMapOvr>
+    <a:masterClrMapping/>
+  </p:clrMapOvr>
+  <p:timing>
+    <p:tnLst>
+      <p:par>
+        <p:cTn id="1" dur="indefinite" restart="never" nodeType="tmRoot"/>
+      </p:par>
+    </p:tnLst>
+  </p:timing>
+</p:sld>
+</file>
+
+<file path=ppt/slides/slide15.xml><?xml version="1.0" encoding="utf-8"?>
+<p:sld xmlns:a="http://schemas.openxmlformats.org/drawingml/2006/main" xmlns:r="http://schemas.openxmlformats.org/officeDocument/2006/relationships" xmlns:p="http://schemas.openxmlformats.org/presentationml/2006/main">
+  <p:cSld>
+    <p:spTree>
+      <p:nvGrpSpPr>
+        <p:cNvPr id="1" name=""/>
+        <p:cNvGrpSpPr/>
+        <p:nvPr/>
+      </p:nvGrpSpPr>
+      <p:grpSpPr>
+        <a:xfrm>
+          <a:off x="0" y="0"/>
+          <a:ext cx="0" cy="0"/>
+          <a:chOff x="0" y="0"/>
+          <a:chExt cx="0" cy="0"/>
+        </a:xfrm>
+      </p:grpSpPr>
+      <p:sp>
+        <p:nvSpPr>
+          <p:cNvPr id="3" name="Title 2"/>
+          <p:cNvSpPr>
+            <a:spLocks noGrp="1"/>
+          </p:cNvSpPr>
+          <p:nvPr>
+            <p:ph type="title"/>
+          </p:nvPr>
+        </p:nvSpPr>
+        <p:spPr/>
+        <p:txBody>
+          <a:bodyPr/>
+          <a:lstStyle/>
+          <a:p>
+            <a:r>
+              <a:rPr lang="en-US" dirty="0" smtClean="0"/>
               <a:t>Rules Engine Components</a:t>
             </a:r>
             <a:endParaRPr lang="en-US" dirty="0"/>
@@ -8495,7 +9335,524 @@
 </p:sld>
 </file>
 
-<file path=ppt/slides/slide13.xml><?xml version="1.0" encoding="utf-8"?>
+<file path=ppt/slides/slide16.xml><?xml version="1.0" encoding="utf-8"?>
+<p:sld xmlns:a="http://schemas.openxmlformats.org/drawingml/2006/main" xmlns:r="http://schemas.openxmlformats.org/officeDocument/2006/relationships" xmlns:p="http://schemas.openxmlformats.org/presentationml/2006/main">
+  <p:cSld>
+    <p:spTree>
+      <p:nvGrpSpPr>
+        <p:cNvPr id="1" name=""/>
+        <p:cNvGrpSpPr/>
+        <p:nvPr/>
+      </p:nvGrpSpPr>
+      <p:grpSpPr>
+        <a:xfrm>
+          <a:off x="0" y="0"/>
+          <a:ext cx="0" cy="0"/>
+          <a:chOff x="0" y="0"/>
+          <a:chExt cx="0" cy="0"/>
+        </a:xfrm>
+      </p:grpSpPr>
+      <p:sp>
+        <p:nvSpPr>
+          <p:cNvPr id="2" name="Title 1"/>
+          <p:cNvSpPr>
+            <a:spLocks noGrp="1"/>
+          </p:cNvSpPr>
+          <p:nvPr>
+            <p:ph type="title"/>
+          </p:nvPr>
+        </p:nvSpPr>
+        <p:spPr/>
+        <p:txBody>
+          <a:bodyPr/>
+          <a:lstStyle/>
+          <a:p>
+            <a:r>
+              <a:rPr lang="en-US" dirty="0" smtClean="0"/>
+              <a:t>More Common Patterns</a:t>
+            </a:r>
+            <a:endParaRPr lang="en-US" dirty="0"/>
+          </a:p>
+        </p:txBody>
+      </p:sp>
+      <p:sp>
+        <p:nvSpPr>
+          <p:cNvPr id="3" name="Content Placeholder 2"/>
+          <p:cNvSpPr>
+            <a:spLocks noGrp="1"/>
+          </p:cNvSpPr>
+          <p:nvPr>
+            <p:ph idx="1"/>
+          </p:nvPr>
+        </p:nvSpPr>
+        <p:spPr>
+          <a:xfrm>
+            <a:off x="457200" y="1200151"/>
+            <a:ext cx="4673065" cy="3394472"/>
+          </a:xfrm>
+        </p:spPr>
+        <p:txBody>
+          <a:bodyPr>
+            <a:normAutofit fontScale="85000" lnSpcReduction="20000"/>
+          </a:bodyPr>
+          <a:lstStyle/>
+          <a:p>
+            <a:r>
+              <a:rPr lang="en-US" dirty="0" smtClean="0"/>
+              <a:t>Singleton</a:t>
+            </a:r>
+          </a:p>
+          <a:p>
+            <a:pPr lvl="1"/>
+            <a:r>
+              <a:rPr lang="en-US" dirty="0"/>
+              <a:t>A class of which only a single instance can exist</a:t>
+            </a:r>
+            <a:endParaRPr lang="en-US" dirty="0" smtClean="0"/>
+          </a:p>
+          <a:p>
+            <a:r>
+              <a:rPr lang="en-US" dirty="0" smtClean="0"/>
+              <a:t>Adapter</a:t>
+            </a:r>
+          </a:p>
+          <a:p>
+            <a:pPr lvl="1"/>
+            <a:r>
+              <a:rPr lang="en-US" dirty="0"/>
+              <a:t>Match interfaces of different classes</a:t>
+            </a:r>
+            <a:endParaRPr lang="en-US" dirty="0" smtClean="0"/>
+          </a:p>
+          <a:p>
+            <a:r>
+              <a:rPr lang="en-US" dirty="0" smtClean="0"/>
+              <a:t>Proxy</a:t>
+            </a:r>
+          </a:p>
+          <a:p>
+            <a:pPr lvl="1"/>
+            <a:r>
+              <a:rPr lang="en-US" dirty="0"/>
+              <a:t>An object representing another object</a:t>
+            </a:r>
+            <a:endParaRPr lang="en-US" dirty="0" smtClean="0"/>
+          </a:p>
+        </p:txBody>
+      </p:sp>
+      <p:pic>
+        <p:nvPicPr>
+          <p:cNvPr id="3076" name="Picture 4"/>
+          <p:cNvPicPr>
+            <a:picLocks noChangeAspect="1" noChangeArrowheads="1"/>
+          </p:cNvPicPr>
+          <p:nvPr/>
+        </p:nvPicPr>
+        <p:blipFill>
+          <a:blip r:embed="rId2">
+            <a:extLst>
+              <a:ext uri="{28A0092B-C50C-407E-A947-70E740481C1C}">
+                <a14:useLocalDpi xmlns:a14="http://schemas.microsoft.com/office/drawing/2010/main" val="0"/>
+              </a:ext>
+            </a:extLst>
+          </a:blip>
+          <a:srcRect/>
+          <a:stretch>
+            <a:fillRect/>
+          </a:stretch>
+        </p:blipFill>
+        <p:spPr bwMode="auto">
+          <a:xfrm>
+            <a:off x="5451182" y="1063230"/>
+            <a:ext cx="3310613" cy="3605024"/>
+          </a:xfrm>
+          <a:prstGeom prst="rect">
+            <a:avLst/>
+          </a:prstGeom>
+          <a:noFill/>
+          <a:ln>
+            <a:noFill/>
+          </a:ln>
+          <a:extLst>
+            <a:ext uri="{909E8E84-426E-40DD-AFC4-6F175D3DCCD1}">
+              <a14:hiddenFill xmlns:a14="http://schemas.microsoft.com/office/drawing/2010/main">
+                <a:solidFill>
+                  <a:schemeClr val="accent1"/>
+                </a:solidFill>
+              </a14:hiddenFill>
+            </a:ext>
+            <a:ext uri="{91240B29-F687-4F45-9708-019B960494DF}">
+              <a14:hiddenLine xmlns:a14="http://schemas.microsoft.com/office/drawing/2010/main" w="9525">
+                <a:solidFill>
+                  <a:schemeClr val="tx1"/>
+                </a:solidFill>
+                <a:miter lim="800000"/>
+                <a:headEnd/>
+                <a:tailEnd/>
+              </a14:hiddenLine>
+            </a:ext>
+          </a:extLst>
+        </p:spPr>
+      </p:pic>
+    </p:spTree>
+    <p:extLst>
+      <p:ext uri="{BB962C8B-B14F-4D97-AF65-F5344CB8AC3E}">
+        <p14:creationId xmlns:p14="http://schemas.microsoft.com/office/powerpoint/2010/main" val="1409188651"/>
+      </p:ext>
+    </p:extLst>
+  </p:cSld>
+  <p:clrMapOvr>
+    <a:masterClrMapping/>
+  </p:clrMapOvr>
+  <p:timing>
+    <p:tnLst>
+      <p:par>
+        <p:cTn id="1" dur="indefinite" restart="never" nodeType="tmRoot">
+          <p:childTnLst>
+            <p:seq concurrent="1" nextAc="seek">
+              <p:cTn id="2" dur="indefinite" nodeType="mainSeq">
+                <p:childTnLst>
+                  <p:par>
+                    <p:cTn id="3" fill="hold">
+                      <p:stCondLst>
+                        <p:cond delay="indefinite"/>
+                      </p:stCondLst>
+                      <p:childTnLst>
+                        <p:par>
+                          <p:cTn id="4" fill="hold">
+                            <p:stCondLst>
+                              <p:cond delay="0"/>
+                            </p:stCondLst>
+                            <p:childTnLst>
+                              <p:par>
+                                <p:cTn id="5" presetID="10" presetClass="entr" presetSubtype="0" fill="hold" grpId="0" nodeType="clickEffect">
+                                  <p:stCondLst>
+                                    <p:cond delay="0"/>
+                                  </p:stCondLst>
+                                  <p:childTnLst>
+                                    <p:set>
+                                      <p:cBhvr>
+                                        <p:cTn id="6" dur="1" fill="hold">
+                                          <p:stCondLst>
+                                            <p:cond delay="0"/>
+                                          </p:stCondLst>
+                                        </p:cTn>
+                                        <p:tgtEl>
+                                          <p:spTgt spid="3">
+                                            <p:txEl>
+                                              <p:pRg st="0" end="0"/>
+                                            </p:txEl>
+                                          </p:spTgt>
+                                        </p:tgtEl>
+                                        <p:attrNameLst>
+                                          <p:attrName>style.visibility</p:attrName>
+                                        </p:attrNameLst>
+                                      </p:cBhvr>
+                                      <p:to>
+                                        <p:strVal val="visible"/>
+                                      </p:to>
+                                    </p:set>
+                                    <p:animEffect transition="in" filter="fade">
+                                      <p:cBhvr>
+                                        <p:cTn id="7" dur="500"/>
+                                        <p:tgtEl>
+                                          <p:spTgt spid="3">
+                                            <p:txEl>
+                                              <p:pRg st="0" end="0"/>
+                                            </p:txEl>
+                                          </p:spTgt>
+                                        </p:tgtEl>
+                                      </p:cBhvr>
+                                    </p:animEffect>
+                                  </p:childTnLst>
+                                </p:cTn>
+                              </p:par>
+                              <p:par>
+                                <p:cTn id="8" presetID="10" presetClass="entr" presetSubtype="0" fill="hold" grpId="0" nodeType="withEffect">
+                                  <p:stCondLst>
+                                    <p:cond delay="0"/>
+                                  </p:stCondLst>
+                                  <p:childTnLst>
+                                    <p:set>
+                                      <p:cBhvr>
+                                        <p:cTn id="9" dur="1" fill="hold">
+                                          <p:stCondLst>
+                                            <p:cond delay="0"/>
+                                          </p:stCondLst>
+                                        </p:cTn>
+                                        <p:tgtEl>
+                                          <p:spTgt spid="3">
+                                            <p:txEl>
+                                              <p:pRg st="1" end="1"/>
+                                            </p:txEl>
+                                          </p:spTgt>
+                                        </p:tgtEl>
+                                        <p:attrNameLst>
+                                          <p:attrName>style.visibility</p:attrName>
+                                        </p:attrNameLst>
+                                      </p:cBhvr>
+                                      <p:to>
+                                        <p:strVal val="visible"/>
+                                      </p:to>
+                                    </p:set>
+                                    <p:animEffect transition="in" filter="fade">
+                                      <p:cBhvr>
+                                        <p:cTn id="10" dur="500"/>
+                                        <p:tgtEl>
+                                          <p:spTgt spid="3">
+                                            <p:txEl>
+                                              <p:pRg st="1" end="1"/>
+                                            </p:txEl>
+                                          </p:spTgt>
+                                        </p:tgtEl>
+                                      </p:cBhvr>
+                                    </p:animEffect>
+                                  </p:childTnLst>
+                                </p:cTn>
+                              </p:par>
+                            </p:childTnLst>
+                          </p:cTn>
+                        </p:par>
+                      </p:childTnLst>
+                    </p:cTn>
+                  </p:par>
+                  <p:par>
+                    <p:cTn id="11" fill="hold">
+                      <p:stCondLst>
+                        <p:cond delay="indefinite"/>
+                      </p:stCondLst>
+                      <p:childTnLst>
+                        <p:par>
+                          <p:cTn id="12" fill="hold">
+                            <p:stCondLst>
+                              <p:cond delay="0"/>
+                            </p:stCondLst>
+                            <p:childTnLst>
+                              <p:par>
+                                <p:cTn id="13" presetID="10" presetClass="entr" presetSubtype="0" fill="hold" grpId="0" nodeType="clickEffect">
+                                  <p:stCondLst>
+                                    <p:cond delay="0"/>
+                                  </p:stCondLst>
+                                  <p:childTnLst>
+                                    <p:set>
+                                      <p:cBhvr>
+                                        <p:cTn id="14" dur="1" fill="hold">
+                                          <p:stCondLst>
+                                            <p:cond delay="0"/>
+                                          </p:stCondLst>
+                                        </p:cTn>
+                                        <p:tgtEl>
+                                          <p:spTgt spid="3">
+                                            <p:txEl>
+                                              <p:pRg st="2" end="2"/>
+                                            </p:txEl>
+                                          </p:spTgt>
+                                        </p:tgtEl>
+                                        <p:attrNameLst>
+                                          <p:attrName>style.visibility</p:attrName>
+                                        </p:attrNameLst>
+                                      </p:cBhvr>
+                                      <p:to>
+                                        <p:strVal val="visible"/>
+                                      </p:to>
+                                    </p:set>
+                                    <p:animEffect transition="in" filter="fade">
+                                      <p:cBhvr>
+                                        <p:cTn id="15" dur="500"/>
+                                        <p:tgtEl>
+                                          <p:spTgt spid="3">
+                                            <p:txEl>
+                                              <p:pRg st="2" end="2"/>
+                                            </p:txEl>
+                                          </p:spTgt>
+                                        </p:tgtEl>
+                                      </p:cBhvr>
+                                    </p:animEffect>
+                                  </p:childTnLst>
+                                </p:cTn>
+                              </p:par>
+                              <p:par>
+                                <p:cTn id="16" presetID="10" presetClass="entr" presetSubtype="0" fill="hold" grpId="0" nodeType="withEffect">
+                                  <p:stCondLst>
+                                    <p:cond delay="0"/>
+                                  </p:stCondLst>
+                                  <p:childTnLst>
+                                    <p:set>
+                                      <p:cBhvr>
+                                        <p:cTn id="17" dur="1" fill="hold">
+                                          <p:stCondLst>
+                                            <p:cond delay="0"/>
+                                          </p:stCondLst>
+                                        </p:cTn>
+                                        <p:tgtEl>
+                                          <p:spTgt spid="3">
+                                            <p:txEl>
+                                              <p:pRg st="3" end="3"/>
+                                            </p:txEl>
+                                          </p:spTgt>
+                                        </p:tgtEl>
+                                        <p:attrNameLst>
+                                          <p:attrName>style.visibility</p:attrName>
+                                        </p:attrNameLst>
+                                      </p:cBhvr>
+                                      <p:to>
+                                        <p:strVal val="visible"/>
+                                      </p:to>
+                                    </p:set>
+                                    <p:animEffect transition="in" filter="fade">
+                                      <p:cBhvr>
+                                        <p:cTn id="18" dur="500"/>
+                                        <p:tgtEl>
+                                          <p:spTgt spid="3">
+                                            <p:txEl>
+                                              <p:pRg st="3" end="3"/>
+                                            </p:txEl>
+                                          </p:spTgt>
+                                        </p:tgtEl>
+                                      </p:cBhvr>
+                                    </p:animEffect>
+                                  </p:childTnLst>
+                                </p:cTn>
+                              </p:par>
+                            </p:childTnLst>
+                          </p:cTn>
+                        </p:par>
+                      </p:childTnLst>
+                    </p:cTn>
+                  </p:par>
+                  <p:par>
+                    <p:cTn id="19" fill="hold">
+                      <p:stCondLst>
+                        <p:cond delay="indefinite"/>
+                      </p:stCondLst>
+                      <p:childTnLst>
+                        <p:par>
+                          <p:cTn id="20" fill="hold">
+                            <p:stCondLst>
+                              <p:cond delay="0"/>
+                            </p:stCondLst>
+                            <p:childTnLst>
+                              <p:par>
+                                <p:cTn id="21" presetID="10" presetClass="entr" presetSubtype="0" fill="hold" grpId="0" nodeType="clickEffect">
+                                  <p:stCondLst>
+                                    <p:cond delay="0"/>
+                                  </p:stCondLst>
+                                  <p:childTnLst>
+                                    <p:set>
+                                      <p:cBhvr>
+                                        <p:cTn id="22" dur="1" fill="hold">
+                                          <p:stCondLst>
+                                            <p:cond delay="0"/>
+                                          </p:stCondLst>
+                                        </p:cTn>
+                                        <p:tgtEl>
+                                          <p:spTgt spid="3">
+                                            <p:txEl>
+                                              <p:pRg st="4" end="4"/>
+                                            </p:txEl>
+                                          </p:spTgt>
+                                        </p:tgtEl>
+                                        <p:attrNameLst>
+                                          <p:attrName>style.visibility</p:attrName>
+                                        </p:attrNameLst>
+                                      </p:cBhvr>
+                                      <p:to>
+                                        <p:strVal val="visible"/>
+                                      </p:to>
+                                    </p:set>
+                                    <p:animEffect transition="in" filter="fade">
+                                      <p:cBhvr>
+                                        <p:cTn id="23" dur="500"/>
+                                        <p:tgtEl>
+                                          <p:spTgt spid="3">
+                                            <p:txEl>
+                                              <p:pRg st="4" end="4"/>
+                                            </p:txEl>
+                                          </p:spTgt>
+                                        </p:tgtEl>
+                                      </p:cBhvr>
+                                    </p:animEffect>
+                                  </p:childTnLst>
+                                </p:cTn>
+                              </p:par>
+                              <p:par>
+                                <p:cTn id="24" presetID="10" presetClass="entr" presetSubtype="0" fill="hold" grpId="0" nodeType="withEffect">
+                                  <p:stCondLst>
+                                    <p:cond delay="0"/>
+                                  </p:stCondLst>
+                                  <p:childTnLst>
+                                    <p:set>
+                                      <p:cBhvr>
+                                        <p:cTn id="25" dur="1" fill="hold">
+                                          <p:stCondLst>
+                                            <p:cond delay="0"/>
+                                          </p:stCondLst>
+                                        </p:cTn>
+                                        <p:tgtEl>
+                                          <p:spTgt spid="3">
+                                            <p:txEl>
+                                              <p:pRg st="5" end="5"/>
+                                            </p:txEl>
+                                          </p:spTgt>
+                                        </p:tgtEl>
+                                        <p:attrNameLst>
+                                          <p:attrName>style.visibility</p:attrName>
+                                        </p:attrNameLst>
+                                      </p:cBhvr>
+                                      <p:to>
+                                        <p:strVal val="visible"/>
+                                      </p:to>
+                                    </p:set>
+                                    <p:animEffect transition="in" filter="fade">
+                                      <p:cBhvr>
+                                        <p:cTn id="26" dur="500"/>
+                                        <p:tgtEl>
+                                          <p:spTgt spid="3">
+                                            <p:txEl>
+                                              <p:pRg st="5" end="5"/>
+                                            </p:txEl>
+                                          </p:spTgt>
+                                        </p:tgtEl>
+                                      </p:cBhvr>
+                                    </p:animEffect>
+                                  </p:childTnLst>
+                                </p:cTn>
+                              </p:par>
+                            </p:childTnLst>
+                          </p:cTn>
+                        </p:par>
+                      </p:childTnLst>
+                    </p:cTn>
+                  </p:par>
+                </p:childTnLst>
+              </p:cTn>
+              <p:prevCondLst>
+                <p:cond evt="onPrev" delay="0">
+                  <p:tgtEl>
+                    <p:sldTgt/>
+                  </p:tgtEl>
+                </p:cond>
+              </p:prevCondLst>
+              <p:nextCondLst>
+                <p:cond evt="onNext" delay="0">
+                  <p:tgtEl>
+                    <p:sldTgt/>
+                  </p:tgtEl>
+                </p:cond>
+              </p:nextCondLst>
+            </p:seq>
+          </p:childTnLst>
+        </p:cTn>
+      </p:par>
+    </p:tnLst>
+    <p:bldLst>
+      <p:bldP spid="3" grpId="0" uiExpand="1" build="p"/>
+    </p:bldLst>
+  </p:timing>
+</p:sld>
+</file>
+
+<file path=ppt/slides/slide17.xml><?xml version="1.0" encoding="utf-8"?>
 <p:sld xmlns:a="http://schemas.openxmlformats.org/drawingml/2006/main" xmlns:r="http://schemas.openxmlformats.org/officeDocument/2006/relationships" xmlns:p="http://schemas.openxmlformats.org/presentationml/2006/main">
   <p:cSld>
     <p:bg>
@@ -8710,6 +10067,9 @@
                     <p:cTn id="3" fill="hold">
                       <p:stCondLst>
                         <p:cond delay="indefinite"/>
+                        <p:cond evt="onBegin" delay="0">
+                          <p:tn val="2"/>
+                        </p:cond>
                       </p:stCondLst>
                       <p:childTnLst>
                         <p:par>
@@ -8719,7 +10079,7 @@
                             </p:stCondLst>
                             <p:childTnLst>
                               <p:par>
-                                <p:cTn id="5" presetID="10" presetClass="entr" presetSubtype="0" fill="hold" grpId="0" nodeType="clickEffect">
+                                <p:cTn id="5" presetID="10" presetClass="entr" presetSubtype="0" fill="hold" grpId="0" nodeType="afterEffect">
                                   <p:stCondLst>
                                     <p:cond delay="0"/>
                                   </p:stCondLst>
@@ -8764,30 +10124,21 @@
                             </p:childTnLst>
                           </p:cTn>
                         </p:par>
-                      </p:childTnLst>
-                    </p:cTn>
-                  </p:par>
-                  <p:par>
-                    <p:cTn id="8" fill="hold">
-                      <p:stCondLst>
-                        <p:cond delay="indefinite"/>
-                      </p:stCondLst>
-                      <p:childTnLst>
                         <p:par>
-                          <p:cTn id="9" fill="hold">
+                          <p:cTn id="8" fill="hold">
                             <p:stCondLst>
-                              <p:cond delay="0"/>
+                              <p:cond delay="500"/>
                             </p:stCondLst>
                             <p:childTnLst>
                               <p:par>
-                                <p:cTn id="10" presetID="10" presetClass="entr" presetSubtype="0" fill="hold" grpId="0" nodeType="clickEffect">
+                                <p:cTn id="9" presetID="10" presetClass="entr" presetSubtype="0" fill="hold" grpId="0" nodeType="afterEffect">
                                   <p:stCondLst>
                                     <p:cond delay="0"/>
                                   </p:stCondLst>
                                   <p:childTnLst>
                                     <p:set>
                                       <p:cBhvr>
-                                        <p:cTn id="11" dur="1" fill="hold">
+                                        <p:cTn id="10" dur="1" fill="hold">
                                           <p:stCondLst>
                                             <p:cond delay="0"/>
                                           </p:stCondLst>
@@ -8809,7 +10160,7 @@
                                     </p:set>
                                     <p:animEffect transition="in" filter="fade">
                                       <p:cBhvr>
-                                        <p:cTn id="12" dur="500"/>
+                                        <p:cTn id="11" dur="500"/>
                                         <p:tgtEl>
                                           <p:spTgt spid="6146">
                                             <p:txEl>
@@ -8825,30 +10176,21 @@
                             </p:childTnLst>
                           </p:cTn>
                         </p:par>
-                      </p:childTnLst>
-                    </p:cTn>
-                  </p:par>
-                  <p:par>
-                    <p:cTn id="13" fill="hold">
-                      <p:stCondLst>
-                        <p:cond delay="indefinite"/>
-                      </p:stCondLst>
-                      <p:childTnLst>
                         <p:par>
-                          <p:cTn id="14" fill="hold">
+                          <p:cTn id="12" fill="hold">
                             <p:stCondLst>
-                              <p:cond delay="0"/>
+                              <p:cond delay="1000"/>
                             </p:stCondLst>
                             <p:childTnLst>
                               <p:par>
-                                <p:cTn id="15" presetID="10" presetClass="entr" presetSubtype="0" fill="hold" grpId="0" nodeType="clickEffect">
+                                <p:cTn id="13" presetID="10" presetClass="entr" presetSubtype="0" fill="hold" grpId="0" nodeType="afterEffect">
                                   <p:stCondLst>
                                     <p:cond delay="0"/>
                                   </p:stCondLst>
                                   <p:childTnLst>
                                     <p:set>
                                       <p:cBhvr>
-                                        <p:cTn id="16" dur="1" fill="hold">
+                                        <p:cTn id="14" dur="1" fill="hold">
                                           <p:stCondLst>
                                             <p:cond delay="0"/>
                                           </p:stCondLst>
@@ -8870,7 +10212,7 @@
                                     </p:set>
                                     <p:animEffect transition="in" filter="fade">
                                       <p:cBhvr>
-                                        <p:cTn id="17" dur="500"/>
+                                        <p:cTn id="15" dur="500"/>
                                         <p:tgtEl>
                                           <p:spTgt spid="6146">
                                             <p:txEl>
@@ -8886,30 +10228,21 @@
                             </p:childTnLst>
                           </p:cTn>
                         </p:par>
-                      </p:childTnLst>
-                    </p:cTn>
-                  </p:par>
-                  <p:par>
-                    <p:cTn id="18" fill="hold">
-                      <p:stCondLst>
-                        <p:cond delay="indefinite"/>
-                      </p:stCondLst>
-                      <p:childTnLst>
                         <p:par>
-                          <p:cTn id="19" fill="hold">
+                          <p:cTn id="16" fill="hold">
                             <p:stCondLst>
-                              <p:cond delay="0"/>
+                              <p:cond delay="1500"/>
                             </p:stCondLst>
                             <p:childTnLst>
                               <p:par>
-                                <p:cTn id="20" presetID="10" presetClass="entr" presetSubtype="0" fill="hold" grpId="0" nodeType="clickEffect">
+                                <p:cTn id="17" presetID="10" presetClass="entr" presetSubtype="0" fill="hold" grpId="0" nodeType="afterEffect">
                                   <p:stCondLst>
                                     <p:cond delay="0"/>
                                   </p:stCondLst>
                                   <p:childTnLst>
                                     <p:set>
                                       <p:cBhvr>
-                                        <p:cTn id="21" dur="1" fill="hold">
+                                        <p:cTn id="18" dur="1" fill="hold">
                                           <p:stCondLst>
                                             <p:cond delay="0"/>
                                           </p:stCondLst>
@@ -8931,7 +10264,7 @@
                                     </p:set>
                                     <p:animEffect transition="in" filter="fade">
                                       <p:cBhvr>
-                                        <p:cTn id="22" dur="500"/>
+                                        <p:cTn id="19" dur="500"/>
                                         <p:tgtEl>
                                           <p:spTgt spid="6146">
                                             <p:txEl>
@@ -8972,13 +10305,360 @@
       </p:par>
     </p:tnLst>
     <p:bldLst>
-      <p:bldP spid="6146" grpId="0" build="p"/>
+      <p:bldP spid="6146" grpId="0" uiExpand="1" build="p"/>
     </p:bldLst>
   </p:timing>
 </p:sld>
 </file>
 
 <file path=ppt/slides/slide3.xml><?xml version="1.0" encoding="utf-8"?>
+<p:sld xmlns:a="http://schemas.openxmlformats.org/drawingml/2006/main" xmlns:r="http://schemas.openxmlformats.org/officeDocument/2006/relationships" xmlns:p="http://schemas.openxmlformats.org/presentationml/2006/main">
+  <p:cSld>
+    <p:spTree>
+      <p:nvGrpSpPr>
+        <p:cNvPr id="1" name=""/>
+        <p:cNvGrpSpPr/>
+        <p:nvPr/>
+      </p:nvGrpSpPr>
+      <p:grpSpPr>
+        <a:xfrm>
+          <a:off x="0" y="0"/>
+          <a:ext cx="0" cy="0"/>
+          <a:chOff x="0" y="0"/>
+          <a:chExt cx="0" cy="0"/>
+        </a:xfrm>
+      </p:grpSpPr>
+      <p:sp>
+        <p:nvSpPr>
+          <p:cNvPr id="2" name="Title 1"/>
+          <p:cNvSpPr>
+            <a:spLocks noGrp="1"/>
+          </p:cNvSpPr>
+          <p:nvPr>
+            <p:ph type="title"/>
+          </p:nvPr>
+        </p:nvSpPr>
+        <p:spPr/>
+        <p:txBody>
+          <a:bodyPr/>
+          <a:lstStyle/>
+          <a:p>
+            <a:r>
+              <a:rPr lang="en-US" dirty="0" smtClean="0"/>
+              <a:t>Why Use Design Patterns?</a:t>
+            </a:r>
+            <a:endParaRPr lang="en-US" dirty="0"/>
+          </a:p>
+        </p:txBody>
+      </p:sp>
+      <p:sp>
+        <p:nvSpPr>
+          <p:cNvPr id="3" name="Content Placeholder 2"/>
+          <p:cNvSpPr>
+            <a:spLocks noGrp="1"/>
+          </p:cNvSpPr>
+          <p:nvPr>
+            <p:ph sz="half" idx="1"/>
+          </p:nvPr>
+        </p:nvSpPr>
+        <p:spPr/>
+        <p:txBody>
+          <a:bodyPr>
+            <a:normAutofit fontScale="92500" lnSpcReduction="10000"/>
+          </a:bodyPr>
+          <a:lstStyle/>
+          <a:p>
+            <a:r>
+              <a:rPr lang="en-US" dirty="0" smtClean="0"/>
+              <a:t>Accepted solution to a common problem</a:t>
+            </a:r>
+          </a:p>
+          <a:p>
+            <a:endParaRPr lang="en-US" dirty="0"/>
+          </a:p>
+          <a:p>
+            <a:r>
+              <a:rPr lang="en-US" dirty="0" smtClean="0"/>
+              <a:t>Common language for programmers</a:t>
+            </a:r>
+          </a:p>
+          <a:p>
+            <a:endParaRPr lang="en-US" dirty="0" smtClean="0"/>
+          </a:p>
+          <a:p>
+            <a:r>
+              <a:rPr lang="en-US" dirty="0" smtClean="0"/>
+              <a:t>Easier to work with other people’s code</a:t>
+            </a:r>
+            <a:endParaRPr lang="en-US" dirty="0"/>
+          </a:p>
+          <a:p>
+            <a:endParaRPr lang="en-US" dirty="0"/>
+          </a:p>
+        </p:txBody>
+      </p:sp>
+      <p:pic>
+        <p:nvPicPr>
+          <p:cNvPr id="1026" name="Picture 2" descr="http://images.pearsoned-ema.com/jpeg/large/9780201633610.jpg"/>
+          <p:cNvPicPr>
+            <a:picLocks noChangeAspect="1" noChangeArrowheads="1"/>
+          </p:cNvPicPr>
+          <p:nvPr/>
+        </p:nvPicPr>
+        <p:blipFill>
+          <a:blip r:embed="rId2">
+            <a:extLst>
+              <a:ext uri="{28A0092B-C50C-407E-A947-70E740481C1C}">
+                <a14:useLocalDpi xmlns:a14="http://schemas.microsoft.com/office/drawing/2010/main" val="0"/>
+              </a:ext>
+            </a:extLst>
+          </a:blip>
+          <a:srcRect/>
+          <a:stretch>
+            <a:fillRect/>
+          </a:stretch>
+        </p:blipFill>
+        <p:spPr bwMode="auto">
+          <a:xfrm>
+            <a:off x="5313597" y="1063229"/>
+            <a:ext cx="2920815" cy="3639785"/>
+          </a:xfrm>
+          <a:prstGeom prst="rect">
+            <a:avLst/>
+          </a:prstGeom>
+          <a:noFill/>
+          <a:extLst>
+            <a:ext uri="{909E8E84-426E-40DD-AFC4-6F175D3DCCD1}">
+              <a14:hiddenFill xmlns:a14="http://schemas.microsoft.com/office/drawing/2010/main">
+                <a:solidFill>
+                  <a:srgbClr val="FFFFFF"/>
+                </a:solidFill>
+              </a14:hiddenFill>
+            </a:ext>
+          </a:extLst>
+        </p:spPr>
+      </p:pic>
+    </p:spTree>
+    <p:extLst>
+      <p:ext uri="{BB962C8B-B14F-4D97-AF65-F5344CB8AC3E}">
+        <p14:creationId xmlns:p14="http://schemas.microsoft.com/office/powerpoint/2010/main" val="904116177"/>
+      </p:ext>
+    </p:extLst>
+  </p:cSld>
+  <p:clrMapOvr>
+    <a:masterClrMapping/>
+  </p:clrMapOvr>
+  <p:timing>
+    <p:tnLst>
+      <p:par>
+        <p:cTn id="1" dur="indefinite" restart="never" nodeType="tmRoot">
+          <p:childTnLst>
+            <p:seq concurrent="1" nextAc="seek">
+              <p:cTn id="2" dur="indefinite" nodeType="mainSeq">
+                <p:childTnLst>
+                  <p:par>
+                    <p:cTn id="3" fill="hold">
+                      <p:stCondLst>
+                        <p:cond delay="indefinite"/>
+                      </p:stCondLst>
+                      <p:childTnLst>
+                        <p:par>
+                          <p:cTn id="4" fill="hold">
+                            <p:stCondLst>
+                              <p:cond delay="0"/>
+                            </p:stCondLst>
+                            <p:childTnLst>
+                              <p:par>
+                                <p:cTn id="5" presetID="10" presetClass="entr" presetSubtype="0" fill="hold" grpId="0" nodeType="clickEffect">
+                                  <p:stCondLst>
+                                    <p:cond delay="0"/>
+                                  </p:stCondLst>
+                                  <p:childTnLst>
+                                    <p:set>
+                                      <p:cBhvr>
+                                        <p:cTn id="6" dur="1" fill="hold">
+                                          <p:stCondLst>
+                                            <p:cond delay="0"/>
+                                          </p:stCondLst>
+                                        </p:cTn>
+                                        <p:tgtEl>
+                                          <p:spTgt spid="3">
+                                            <p:txEl>
+                                              <p:pRg st="0" end="0"/>
+                                            </p:txEl>
+                                          </p:spTgt>
+                                        </p:tgtEl>
+                                        <p:attrNameLst>
+                                          <p:attrName>style.visibility</p:attrName>
+                                        </p:attrNameLst>
+                                      </p:cBhvr>
+                                      <p:to>
+                                        <p:strVal val="visible"/>
+                                      </p:to>
+                                    </p:set>
+                                    <p:animEffect transition="in" filter="fade">
+                                      <p:cBhvr>
+                                        <p:cTn id="7" dur="500"/>
+                                        <p:tgtEl>
+                                          <p:spTgt spid="3">
+                                            <p:txEl>
+                                              <p:pRg st="0" end="0"/>
+                                            </p:txEl>
+                                          </p:spTgt>
+                                        </p:tgtEl>
+                                      </p:cBhvr>
+                                    </p:animEffect>
+                                  </p:childTnLst>
+                                </p:cTn>
+                              </p:par>
+                            </p:childTnLst>
+                          </p:cTn>
+                        </p:par>
+                      </p:childTnLst>
+                    </p:cTn>
+                  </p:par>
+                  <p:par>
+                    <p:cTn id="8" fill="hold">
+                      <p:stCondLst>
+                        <p:cond delay="indefinite"/>
+                      </p:stCondLst>
+                      <p:childTnLst>
+                        <p:par>
+                          <p:cTn id="9" fill="hold">
+                            <p:stCondLst>
+                              <p:cond delay="0"/>
+                            </p:stCondLst>
+                            <p:childTnLst>
+                              <p:par>
+                                <p:cTn id="10" presetID="10" presetClass="entr" presetSubtype="0" fill="hold" grpId="0" nodeType="clickEffect">
+                                  <p:stCondLst>
+                                    <p:cond delay="0"/>
+                                  </p:stCondLst>
+                                  <p:childTnLst>
+                                    <p:set>
+                                      <p:cBhvr>
+                                        <p:cTn id="11" dur="1" fill="hold">
+                                          <p:stCondLst>
+                                            <p:cond delay="0"/>
+                                          </p:stCondLst>
+                                        </p:cTn>
+                                        <p:tgtEl>
+                                          <p:spTgt spid="3">
+                                            <p:txEl>
+                                              <p:pRg st="2" end="2"/>
+                                            </p:txEl>
+                                          </p:spTgt>
+                                        </p:tgtEl>
+                                        <p:attrNameLst>
+                                          <p:attrName>style.visibility</p:attrName>
+                                        </p:attrNameLst>
+                                      </p:cBhvr>
+                                      <p:to>
+                                        <p:strVal val="visible"/>
+                                      </p:to>
+                                    </p:set>
+                                    <p:animEffect transition="in" filter="fade">
+                                      <p:cBhvr>
+                                        <p:cTn id="12" dur="500"/>
+                                        <p:tgtEl>
+                                          <p:spTgt spid="3">
+                                            <p:txEl>
+                                              <p:pRg st="2" end="2"/>
+                                            </p:txEl>
+                                          </p:spTgt>
+                                        </p:tgtEl>
+                                      </p:cBhvr>
+                                    </p:animEffect>
+                                  </p:childTnLst>
+                                </p:cTn>
+                              </p:par>
+                            </p:childTnLst>
+                          </p:cTn>
+                        </p:par>
+                        <p:par>
+                          <p:cTn id="13" fill="hold">
+                            <p:stCondLst>
+                              <p:cond delay="500"/>
+                            </p:stCondLst>
+                            <p:childTnLst>
+                              <p:par>
+                                <p:cTn id="14" presetID="10" presetClass="entr" presetSubtype="0" fill="hold" grpId="0" nodeType="afterEffect">
+                                  <p:stCondLst>
+                                    <p:cond delay="0"/>
+                                  </p:stCondLst>
+                                  <p:childTnLst>
+                                    <p:set>
+                                      <p:cBhvr>
+                                        <p:cTn id="15" dur="1" fill="hold">
+                                          <p:stCondLst>
+                                            <p:cond delay="0"/>
+                                          </p:stCondLst>
+                                        </p:cTn>
+                                        <p:tgtEl>
+                                          <p:spTgt spid="3">
+                                            <p:txEl>
+                                              <p:pRg st="4" end="4"/>
+                                            </p:txEl>
+                                          </p:spTgt>
+                                        </p:tgtEl>
+                                        <p:attrNameLst>
+                                          <p:attrName>style.visibility</p:attrName>
+                                        </p:attrNameLst>
+                                      </p:cBhvr>
+                                      <p:to>
+                                        <p:strVal val="visible"/>
+                                      </p:to>
+                                    </p:set>
+                                    <p:animEffect transition="in" filter="fade">
+                                      <p:cBhvr>
+                                        <p:cTn id="16" dur="500"/>
+                                        <p:tgtEl>
+                                          <p:spTgt spid="3">
+                                            <p:txEl>
+                                              <p:pRg st="4" end="4"/>
+                                            </p:txEl>
+                                          </p:spTgt>
+                                        </p:tgtEl>
+                                      </p:cBhvr>
+                                    </p:animEffect>
+                                  </p:childTnLst>
+                                </p:cTn>
+                              </p:par>
+                            </p:childTnLst>
+                          </p:cTn>
+                        </p:par>
+                      </p:childTnLst>
+                    </p:cTn>
+                  </p:par>
+                </p:childTnLst>
+              </p:cTn>
+              <p:prevCondLst>
+                <p:cond evt="onPrev" delay="0">
+                  <p:tgtEl>
+                    <p:sldTgt/>
+                  </p:tgtEl>
+                </p:cond>
+              </p:prevCondLst>
+              <p:nextCondLst>
+                <p:cond evt="onNext" delay="0">
+                  <p:tgtEl>
+                    <p:sldTgt/>
+                  </p:tgtEl>
+                </p:cond>
+              </p:nextCondLst>
+            </p:seq>
+          </p:childTnLst>
+        </p:cTn>
+      </p:par>
+    </p:tnLst>
+    <p:bldLst>
+      <p:bldP spid="3" grpId="0" uiExpand="1" build="p"/>
+    </p:bldLst>
+  </p:timing>
+</p:sld>
+</file>
+
+<file path=ppt/slides/slide4.xml><?xml version="1.0" encoding="utf-8"?>
 <p:sld xmlns:a="http://schemas.openxmlformats.org/drawingml/2006/main" xmlns:r="http://schemas.openxmlformats.org/officeDocument/2006/relationships" xmlns:p="http://schemas.openxmlformats.org/presentationml/2006/main">
   <p:cSld>
     <p:spTree>
@@ -9397,7 +11077,7 @@
 </p:sld>
 </file>
 
-<file path=ppt/slides/slide4.xml><?xml version="1.0" encoding="utf-8"?>
+<file path=ppt/slides/slide5.xml><?xml version="1.0" encoding="utf-8"?>
 <p:sld xmlns:a="http://schemas.openxmlformats.org/drawingml/2006/main" xmlns:r="http://schemas.openxmlformats.org/officeDocument/2006/relationships" xmlns:p="http://schemas.openxmlformats.org/presentationml/2006/main">
   <p:cSld>
     <p:spTree>
@@ -9490,7 +11170,7 @@
 </p:sld>
 </file>
 
-<file path=ppt/slides/slide5.xml><?xml version="1.0" encoding="utf-8"?>
+<file path=ppt/slides/slide6.xml><?xml version="1.0" encoding="utf-8"?>
 <p:sld xmlns:a="http://schemas.openxmlformats.org/drawingml/2006/main" xmlns:r="http://schemas.openxmlformats.org/officeDocument/2006/relationships" xmlns:p="http://schemas.openxmlformats.org/presentationml/2006/main">
   <p:cSld>
     <p:spTree>
@@ -9872,7 +11552,175 @@
 </p:sld>
 </file>
 
-<file path=ppt/slides/slide6.xml><?xml version="1.0" encoding="utf-8"?>
+<file path=ppt/slides/slide7.xml><?xml version="1.0" encoding="utf-8"?>
+<p:sld xmlns:a="http://schemas.openxmlformats.org/drawingml/2006/main" xmlns:r="http://schemas.openxmlformats.org/officeDocument/2006/relationships" xmlns:p="http://schemas.openxmlformats.org/presentationml/2006/main">
+  <p:cSld>
+    <p:spTree>
+      <p:nvGrpSpPr>
+        <p:cNvPr id="1" name=""/>
+        <p:cNvGrpSpPr/>
+        <p:nvPr/>
+      </p:nvGrpSpPr>
+      <p:grpSpPr>
+        <a:xfrm>
+          <a:off x="0" y="0"/>
+          <a:ext cx="0" cy="0"/>
+          <a:chOff x="0" y="0"/>
+          <a:chExt cx="0" cy="0"/>
+        </a:xfrm>
+      </p:grpSpPr>
+      <p:sp>
+        <p:nvSpPr>
+          <p:cNvPr id="2" name="Title 1"/>
+          <p:cNvSpPr>
+            <a:spLocks noGrp="1"/>
+          </p:cNvSpPr>
+          <p:nvPr>
+            <p:ph type="title"/>
+          </p:nvPr>
+        </p:nvSpPr>
+        <p:spPr/>
+        <p:txBody>
+          <a:bodyPr/>
+          <a:lstStyle/>
+          <a:p>
+            <a:r>
+              <a:rPr lang="en-US" dirty="0" smtClean="0"/>
+              <a:t>Strategy : Example</a:t>
+            </a:r>
+            <a:endParaRPr lang="en-US" dirty="0"/>
+          </a:p>
+        </p:txBody>
+      </p:sp>
+      <p:pic>
+        <p:nvPicPr>
+          <p:cNvPr id="2051" name="Picture 3"/>
+          <p:cNvPicPr>
+            <a:picLocks noChangeAspect="1" noChangeArrowheads="1"/>
+          </p:cNvPicPr>
+          <p:nvPr/>
+        </p:nvPicPr>
+        <p:blipFill>
+          <a:blip r:embed="rId2">
+            <a:extLst>
+              <a:ext uri="{28A0092B-C50C-407E-A947-70E740481C1C}">
+                <a14:useLocalDpi xmlns:a14="http://schemas.microsoft.com/office/drawing/2010/main" val="0"/>
+              </a:ext>
+            </a:extLst>
+          </a:blip>
+          <a:srcRect/>
+          <a:stretch>
+            <a:fillRect/>
+          </a:stretch>
+        </p:blipFill>
+        <p:spPr bwMode="auto">
+          <a:xfrm>
+            <a:off x="96250" y="1495425"/>
+            <a:ext cx="4572000" cy="2152650"/>
+          </a:xfrm>
+          <a:prstGeom prst="rect">
+            <a:avLst/>
+          </a:prstGeom>
+          <a:noFill/>
+          <a:ln>
+            <a:noFill/>
+          </a:ln>
+          <a:extLst>
+            <a:ext uri="{909E8E84-426E-40DD-AFC4-6F175D3DCCD1}">
+              <a14:hiddenFill xmlns:a14="http://schemas.microsoft.com/office/drawing/2010/main">
+                <a:solidFill>
+                  <a:schemeClr val="accent1"/>
+                </a:solidFill>
+              </a14:hiddenFill>
+            </a:ext>
+            <a:ext uri="{91240B29-F687-4F45-9708-019B960494DF}">
+              <a14:hiddenLine xmlns:a14="http://schemas.microsoft.com/office/drawing/2010/main" w="9525">
+                <a:solidFill>
+                  <a:schemeClr val="tx1"/>
+                </a:solidFill>
+                <a:miter lim="800000"/>
+                <a:headEnd/>
+                <a:tailEnd/>
+              </a14:hiddenLine>
+            </a:ext>
+          </a:extLst>
+        </p:spPr>
+      </p:pic>
+      <p:pic>
+        <p:nvPicPr>
+          <p:cNvPr id="2052" name="Picture 4"/>
+          <p:cNvPicPr>
+            <a:picLocks noChangeAspect="1" noChangeArrowheads="1"/>
+          </p:cNvPicPr>
+          <p:nvPr/>
+        </p:nvPicPr>
+        <p:blipFill>
+          <a:blip r:embed="rId3">
+            <a:extLst>
+              <a:ext uri="{28A0092B-C50C-407E-A947-70E740481C1C}">
+                <a14:useLocalDpi xmlns:a14="http://schemas.microsoft.com/office/drawing/2010/main" val="0"/>
+              </a:ext>
+            </a:extLst>
+          </a:blip>
+          <a:srcRect/>
+          <a:stretch>
+            <a:fillRect/>
+          </a:stretch>
+        </p:blipFill>
+        <p:spPr bwMode="auto">
+          <a:xfrm>
+            <a:off x="4828175" y="1495425"/>
+            <a:ext cx="4219575" cy="2705100"/>
+          </a:xfrm>
+          <a:prstGeom prst="rect">
+            <a:avLst/>
+          </a:prstGeom>
+          <a:noFill/>
+          <a:ln>
+            <a:noFill/>
+          </a:ln>
+          <a:extLst>
+            <a:ext uri="{909E8E84-426E-40DD-AFC4-6F175D3DCCD1}">
+              <a14:hiddenFill xmlns:a14="http://schemas.microsoft.com/office/drawing/2010/main">
+                <a:solidFill>
+                  <a:schemeClr val="accent1"/>
+                </a:solidFill>
+              </a14:hiddenFill>
+            </a:ext>
+            <a:ext uri="{91240B29-F687-4F45-9708-019B960494DF}">
+              <a14:hiddenLine xmlns:a14="http://schemas.microsoft.com/office/drawing/2010/main" w="9525">
+                <a:solidFill>
+                  <a:schemeClr val="tx1"/>
+                </a:solidFill>
+                <a:miter lim="800000"/>
+                <a:headEnd/>
+                <a:tailEnd/>
+              </a14:hiddenLine>
+            </a:ext>
+          </a:extLst>
+        </p:spPr>
+      </p:pic>
+    </p:spTree>
+    <p:extLst>
+      <p:ext uri="{BB962C8B-B14F-4D97-AF65-F5344CB8AC3E}">
+        <p14:creationId xmlns:p14="http://schemas.microsoft.com/office/powerpoint/2010/main" val="2801085882"/>
+      </p:ext>
+    </p:extLst>
+  </p:cSld>
+  <p:clrMapOvr>
+    <a:masterClrMapping/>
+  </p:clrMapOvr>
+  <p:timing>
+    <p:tnLst>
+      <p:par>
+        <p:cTn id="1" dur="indefinite" restart="never" nodeType="tmRoot"/>
+      </p:par>
+    </p:tnLst>
+  </p:timing>
+</p:sld>
+</file>
+
+<file path=ppt/slides/slide8.xml><?xml version="1.0" encoding="utf-8"?>
 <p:sld xmlns:a="http://schemas.openxmlformats.org/drawingml/2006/main" xmlns:r="http://schemas.openxmlformats.org/officeDocument/2006/relationships" xmlns:p="http://schemas.openxmlformats.org/presentationml/2006/main">
   <p:cSld>
     <p:spTree>
@@ -9925,7 +11773,7 @@
         <p:spPr/>
         <p:txBody>
           <a:bodyPr>
-            <a:normAutofit/>
+            <a:normAutofit lnSpcReduction="10000"/>
           </a:bodyPr>
           <a:lstStyle/>
           <a:p>
@@ -9949,8 +11797,18 @@
           <a:p>
             <a:r>
               <a:rPr lang="en-US" sz="2400" dirty="0"/>
-              <a:t>Avoid non-stateless static calls</a:t>
-            </a:r>
+              <a:t>Avoid </a:t>
+            </a:r>
+            <a:r>
+              <a:rPr lang="en-US" sz="2400" dirty="0" smtClean="0"/>
+              <a:t>static calls that depend on state</a:t>
+            </a:r>
+          </a:p>
+          <a:p>
+            <a:pPr marL="0" indent="0">
+              <a:buNone/>
+            </a:pPr>
+            <a:endParaRPr lang="en-US" sz="2400" dirty="0"/>
           </a:p>
           <a:p>
             <a:r>
@@ -10190,7 +12048,7 @@
                                         <p:tgtEl>
                                           <p:spTgt spid="6">
                                             <p:txEl>
-                                              <p:pRg st="5" end="5"/>
+                                              <p:pRg st="6" end="6"/>
                                             </p:txEl>
                                           </p:spTgt>
                                         </p:tgtEl>
@@ -10208,7 +12066,7 @@
                                         <p:tgtEl>
                                           <p:spTgt spid="6">
                                             <p:txEl>
-                                              <p:pRg st="5" end="5"/>
+                                              <p:pRg st="6" end="6"/>
                                             </p:txEl>
                                           </p:spTgt>
                                         </p:tgtEl>
@@ -10251,7 +12109,7 @@
 </p:sld>
 </file>
 
-<file path=ppt/slides/slide7.xml><?xml version="1.0" encoding="utf-8"?>
+<file path=ppt/slides/slide9.xml><?xml version="1.0" encoding="utf-8"?>
 <p:sld xmlns:a="http://schemas.openxmlformats.org/drawingml/2006/main" xmlns:r="http://schemas.openxmlformats.org/officeDocument/2006/relationships" xmlns:p="http://schemas.openxmlformats.org/presentationml/2006/main">
   <p:cSld>
     <p:spTree>
@@ -10558,628 +12416,6 @@
     <p:bldLst>
       <p:bldP spid="2" grpId="0" build="p"/>
     </p:bldLst>
-  </p:timing>
-</p:sld>
-</file>
-
-<file path=ppt/slides/slide8.xml><?xml version="1.0" encoding="utf-8"?>
-<p:sld xmlns:a="http://schemas.openxmlformats.org/drawingml/2006/main" xmlns:r="http://schemas.openxmlformats.org/officeDocument/2006/relationships" xmlns:p="http://schemas.openxmlformats.org/presentationml/2006/main">
-  <p:cSld>
-    <p:spTree>
-      <p:nvGrpSpPr>
-        <p:cNvPr id="1" name=""/>
-        <p:cNvGrpSpPr/>
-        <p:nvPr/>
-      </p:nvGrpSpPr>
-      <p:grpSpPr>
-        <a:xfrm>
-          <a:off x="0" y="0"/>
-          <a:ext cx="0" cy="0"/>
-          <a:chOff x="0" y="0"/>
-          <a:chExt cx="0" cy="0"/>
-        </a:xfrm>
-      </p:grpSpPr>
-      <p:sp>
-        <p:nvSpPr>
-          <p:cNvPr id="3" name="Title 2"/>
-          <p:cNvSpPr>
-            <a:spLocks noGrp="1"/>
-          </p:cNvSpPr>
-          <p:nvPr>
-            <p:ph type="title"/>
-          </p:nvPr>
-        </p:nvSpPr>
-        <p:spPr/>
-        <p:txBody>
-          <a:bodyPr/>
-          <a:lstStyle/>
-          <a:p>
-            <a:r>
-              <a:rPr lang="en-US" dirty="0" smtClean="0"/>
-              <a:t>Command: Intent</a:t>
-            </a:r>
-            <a:endParaRPr lang="en-US" dirty="0"/>
-          </a:p>
-        </p:txBody>
-      </p:sp>
-      <p:sp>
-        <p:nvSpPr>
-          <p:cNvPr id="2" name="Content Placeholder 1"/>
-          <p:cNvSpPr>
-            <a:spLocks noGrp="1"/>
-          </p:cNvSpPr>
-          <p:nvPr>
-            <p:ph sz="half" idx="1"/>
-          </p:nvPr>
-        </p:nvSpPr>
-        <p:spPr/>
-        <p:txBody>
-          <a:bodyPr/>
-          <a:lstStyle/>
-          <a:p>
-            <a:r>
-              <a:rPr lang="en-US" sz="2000" dirty="0"/>
-              <a:t>Represent an action as an object</a:t>
-            </a:r>
-          </a:p>
-          <a:p>
-            <a:endParaRPr lang="en-US" sz="2000" dirty="0"/>
-          </a:p>
-          <a:p>
-            <a:r>
-              <a:rPr lang="en-US" sz="2000" dirty="0"/>
-              <a:t>Decouple performing the action from the client that is issuing the command</a:t>
-            </a:r>
-          </a:p>
-          <a:p>
-            <a:endParaRPr lang="en-US" sz="2000" dirty="0"/>
-          </a:p>
-        </p:txBody>
-      </p:sp>
-      <p:sp>
-        <p:nvSpPr>
-          <p:cNvPr id="4" name="Content Placeholder 3"/>
-          <p:cNvSpPr>
-            <a:spLocks noGrp="1"/>
-          </p:cNvSpPr>
-          <p:nvPr>
-            <p:ph sz="half" idx="2"/>
-          </p:nvPr>
-        </p:nvSpPr>
-        <p:spPr/>
-        <p:txBody>
-          <a:bodyPr/>
-          <a:lstStyle/>
-          <a:p>
-            <a:r>
-              <a:rPr lang="en-US" sz="2000" dirty="0"/>
-              <a:t>Common uses:</a:t>
-            </a:r>
-          </a:p>
-          <a:p>
-            <a:pPr lvl="1"/>
-            <a:r>
-              <a:rPr lang="en-US" sz="1800" dirty="0"/>
-              <a:t>Delayed execution</a:t>
-            </a:r>
-          </a:p>
-          <a:p>
-            <a:pPr lvl="1"/>
-            <a:r>
-              <a:rPr lang="en-US" sz="1800" dirty="0"/>
-              <a:t>Logging activity</a:t>
-            </a:r>
-          </a:p>
-          <a:p>
-            <a:pPr lvl="1"/>
-            <a:r>
-              <a:rPr lang="en-US" sz="1800" dirty="0"/>
-              <a:t>Scaling processes</a:t>
-            </a:r>
-          </a:p>
-          <a:p>
-            <a:pPr lvl="1"/>
-            <a:r>
-              <a:rPr lang="en-US" sz="1800" dirty="0"/>
-              <a:t>State machine implementation</a:t>
-            </a:r>
-          </a:p>
-          <a:p>
-            <a:endParaRPr lang="en-US" dirty="0"/>
-          </a:p>
-        </p:txBody>
-      </p:sp>
-    </p:spTree>
-    <p:extLst>
-      <p:ext uri="{BB962C8B-B14F-4D97-AF65-F5344CB8AC3E}">
-        <p14:creationId xmlns:p14="http://schemas.microsoft.com/office/powerpoint/2010/main" val="1053020650"/>
-      </p:ext>
-    </p:extLst>
-  </p:cSld>
-  <p:clrMapOvr>
-    <a:masterClrMapping/>
-  </p:clrMapOvr>
-  <p:timing>
-    <p:tnLst>
-      <p:par>
-        <p:cTn id="1" dur="indefinite" restart="never" nodeType="tmRoot">
-          <p:childTnLst>
-            <p:seq concurrent="1" nextAc="seek">
-              <p:cTn id="2" dur="indefinite" nodeType="mainSeq">
-                <p:childTnLst>
-                  <p:par>
-                    <p:cTn id="3" fill="hold">
-                      <p:stCondLst>
-                        <p:cond delay="indefinite"/>
-                      </p:stCondLst>
-                      <p:childTnLst>
-                        <p:par>
-                          <p:cTn id="4" fill="hold">
-                            <p:stCondLst>
-                              <p:cond delay="0"/>
-                            </p:stCondLst>
-                            <p:childTnLst>
-                              <p:par>
-                                <p:cTn id="5" presetID="10" presetClass="entr" presetSubtype="0" fill="hold" grpId="0" nodeType="clickEffect">
-                                  <p:stCondLst>
-                                    <p:cond delay="0"/>
-                                  </p:stCondLst>
-                                  <p:childTnLst>
-                                    <p:set>
-                                      <p:cBhvr>
-                                        <p:cTn id="6" dur="1" fill="hold">
-                                          <p:stCondLst>
-                                            <p:cond delay="0"/>
-                                          </p:stCondLst>
-                                        </p:cTn>
-                                        <p:tgtEl>
-                                          <p:spTgt spid="2">
-                                            <p:txEl>
-                                              <p:pRg st="0" end="0"/>
-                                            </p:txEl>
-                                          </p:spTgt>
-                                        </p:tgtEl>
-                                        <p:attrNameLst>
-                                          <p:attrName>style.visibility</p:attrName>
-                                        </p:attrNameLst>
-                                      </p:cBhvr>
-                                      <p:to>
-                                        <p:strVal val="visible"/>
-                                      </p:to>
-                                    </p:set>
-                                    <p:animEffect transition="in" filter="fade">
-                                      <p:cBhvr>
-                                        <p:cTn id="7" dur="500"/>
-                                        <p:tgtEl>
-                                          <p:spTgt spid="2">
-                                            <p:txEl>
-                                              <p:pRg st="0" end="0"/>
-                                            </p:txEl>
-                                          </p:spTgt>
-                                        </p:tgtEl>
-                                      </p:cBhvr>
-                                    </p:animEffect>
-                                  </p:childTnLst>
-                                </p:cTn>
-                              </p:par>
-                            </p:childTnLst>
-                          </p:cTn>
-                        </p:par>
-                      </p:childTnLst>
-                    </p:cTn>
-                  </p:par>
-                  <p:par>
-                    <p:cTn id="8" fill="hold">
-                      <p:stCondLst>
-                        <p:cond delay="indefinite"/>
-                      </p:stCondLst>
-                      <p:childTnLst>
-                        <p:par>
-                          <p:cTn id="9" fill="hold">
-                            <p:stCondLst>
-                              <p:cond delay="0"/>
-                            </p:stCondLst>
-                            <p:childTnLst>
-                              <p:par>
-                                <p:cTn id="10" presetID="10" presetClass="entr" presetSubtype="0" fill="hold" grpId="0" nodeType="clickEffect">
-                                  <p:stCondLst>
-                                    <p:cond delay="0"/>
-                                  </p:stCondLst>
-                                  <p:childTnLst>
-                                    <p:set>
-                                      <p:cBhvr>
-                                        <p:cTn id="11" dur="1" fill="hold">
-                                          <p:stCondLst>
-                                            <p:cond delay="0"/>
-                                          </p:stCondLst>
-                                        </p:cTn>
-                                        <p:tgtEl>
-                                          <p:spTgt spid="2">
-                                            <p:txEl>
-                                              <p:pRg st="2" end="2"/>
-                                            </p:txEl>
-                                          </p:spTgt>
-                                        </p:tgtEl>
-                                        <p:attrNameLst>
-                                          <p:attrName>style.visibility</p:attrName>
-                                        </p:attrNameLst>
-                                      </p:cBhvr>
-                                      <p:to>
-                                        <p:strVal val="visible"/>
-                                      </p:to>
-                                    </p:set>
-                                    <p:animEffect transition="in" filter="fade">
-                                      <p:cBhvr>
-                                        <p:cTn id="12" dur="500"/>
-                                        <p:tgtEl>
-                                          <p:spTgt spid="2">
-                                            <p:txEl>
-                                              <p:pRg st="2" end="2"/>
-                                            </p:txEl>
-                                          </p:spTgt>
-                                        </p:tgtEl>
-                                      </p:cBhvr>
-                                    </p:animEffect>
-                                  </p:childTnLst>
-                                </p:cTn>
-                              </p:par>
-                            </p:childTnLst>
-                          </p:cTn>
-                        </p:par>
-                      </p:childTnLst>
-                    </p:cTn>
-                  </p:par>
-                  <p:par>
-                    <p:cTn id="13" fill="hold">
-                      <p:stCondLst>
-                        <p:cond delay="indefinite"/>
-                      </p:stCondLst>
-                      <p:childTnLst>
-                        <p:par>
-                          <p:cTn id="14" fill="hold">
-                            <p:stCondLst>
-                              <p:cond delay="0"/>
-                            </p:stCondLst>
-                            <p:childTnLst>
-                              <p:par>
-                                <p:cTn id="15" presetID="10" presetClass="entr" presetSubtype="0" fill="hold" grpId="0" nodeType="clickEffect">
-                                  <p:stCondLst>
-                                    <p:cond delay="0"/>
-                                  </p:stCondLst>
-                                  <p:childTnLst>
-                                    <p:set>
-                                      <p:cBhvr>
-                                        <p:cTn id="16" dur="1" fill="hold">
-                                          <p:stCondLst>
-                                            <p:cond delay="0"/>
-                                          </p:stCondLst>
-                                        </p:cTn>
-                                        <p:tgtEl>
-                                          <p:spTgt spid="4">
-                                            <p:txEl>
-                                              <p:pRg st="0" end="0"/>
-                                            </p:txEl>
-                                          </p:spTgt>
-                                        </p:tgtEl>
-                                        <p:attrNameLst>
-                                          <p:attrName>style.visibility</p:attrName>
-                                        </p:attrNameLst>
-                                      </p:cBhvr>
-                                      <p:to>
-                                        <p:strVal val="visible"/>
-                                      </p:to>
-                                    </p:set>
-                                    <p:animEffect transition="in" filter="fade">
-                                      <p:cBhvr>
-                                        <p:cTn id="17" dur="500"/>
-                                        <p:tgtEl>
-                                          <p:spTgt spid="4">
-                                            <p:txEl>
-                                              <p:pRg st="0" end="0"/>
-                                            </p:txEl>
-                                          </p:spTgt>
-                                        </p:tgtEl>
-                                      </p:cBhvr>
-                                    </p:animEffect>
-                                  </p:childTnLst>
-                                </p:cTn>
-                              </p:par>
-                              <p:par>
-                                <p:cTn id="18" presetID="10" presetClass="entr" presetSubtype="0" fill="hold" grpId="0" nodeType="withEffect">
-                                  <p:stCondLst>
-                                    <p:cond delay="0"/>
-                                  </p:stCondLst>
-                                  <p:childTnLst>
-                                    <p:set>
-                                      <p:cBhvr>
-                                        <p:cTn id="19" dur="1" fill="hold">
-                                          <p:stCondLst>
-                                            <p:cond delay="0"/>
-                                          </p:stCondLst>
-                                        </p:cTn>
-                                        <p:tgtEl>
-                                          <p:spTgt spid="4">
-                                            <p:txEl>
-                                              <p:pRg st="1" end="1"/>
-                                            </p:txEl>
-                                          </p:spTgt>
-                                        </p:tgtEl>
-                                        <p:attrNameLst>
-                                          <p:attrName>style.visibility</p:attrName>
-                                        </p:attrNameLst>
-                                      </p:cBhvr>
-                                      <p:to>
-                                        <p:strVal val="visible"/>
-                                      </p:to>
-                                    </p:set>
-                                    <p:animEffect transition="in" filter="fade">
-                                      <p:cBhvr>
-                                        <p:cTn id="20" dur="500"/>
-                                        <p:tgtEl>
-                                          <p:spTgt spid="4">
-                                            <p:txEl>
-                                              <p:pRg st="1" end="1"/>
-                                            </p:txEl>
-                                          </p:spTgt>
-                                        </p:tgtEl>
-                                      </p:cBhvr>
-                                    </p:animEffect>
-                                  </p:childTnLst>
-                                </p:cTn>
-                              </p:par>
-                              <p:par>
-                                <p:cTn id="21" presetID="10" presetClass="entr" presetSubtype="0" fill="hold" grpId="0" nodeType="withEffect">
-                                  <p:stCondLst>
-                                    <p:cond delay="0"/>
-                                  </p:stCondLst>
-                                  <p:childTnLst>
-                                    <p:set>
-                                      <p:cBhvr>
-                                        <p:cTn id="22" dur="1" fill="hold">
-                                          <p:stCondLst>
-                                            <p:cond delay="0"/>
-                                          </p:stCondLst>
-                                        </p:cTn>
-                                        <p:tgtEl>
-                                          <p:spTgt spid="4">
-                                            <p:txEl>
-                                              <p:pRg st="2" end="2"/>
-                                            </p:txEl>
-                                          </p:spTgt>
-                                        </p:tgtEl>
-                                        <p:attrNameLst>
-                                          <p:attrName>style.visibility</p:attrName>
-                                        </p:attrNameLst>
-                                      </p:cBhvr>
-                                      <p:to>
-                                        <p:strVal val="visible"/>
-                                      </p:to>
-                                    </p:set>
-                                    <p:animEffect transition="in" filter="fade">
-                                      <p:cBhvr>
-                                        <p:cTn id="23" dur="500"/>
-                                        <p:tgtEl>
-                                          <p:spTgt spid="4">
-                                            <p:txEl>
-                                              <p:pRg st="2" end="2"/>
-                                            </p:txEl>
-                                          </p:spTgt>
-                                        </p:tgtEl>
-                                      </p:cBhvr>
-                                    </p:animEffect>
-                                  </p:childTnLst>
-                                </p:cTn>
-                              </p:par>
-                              <p:par>
-                                <p:cTn id="24" presetID="10" presetClass="entr" presetSubtype="0" fill="hold" grpId="0" nodeType="withEffect">
-                                  <p:stCondLst>
-                                    <p:cond delay="0"/>
-                                  </p:stCondLst>
-                                  <p:childTnLst>
-                                    <p:set>
-                                      <p:cBhvr>
-                                        <p:cTn id="25" dur="1" fill="hold">
-                                          <p:stCondLst>
-                                            <p:cond delay="0"/>
-                                          </p:stCondLst>
-                                        </p:cTn>
-                                        <p:tgtEl>
-                                          <p:spTgt spid="4">
-                                            <p:txEl>
-                                              <p:pRg st="3" end="3"/>
-                                            </p:txEl>
-                                          </p:spTgt>
-                                        </p:tgtEl>
-                                        <p:attrNameLst>
-                                          <p:attrName>style.visibility</p:attrName>
-                                        </p:attrNameLst>
-                                      </p:cBhvr>
-                                      <p:to>
-                                        <p:strVal val="visible"/>
-                                      </p:to>
-                                    </p:set>
-                                    <p:animEffect transition="in" filter="fade">
-                                      <p:cBhvr>
-                                        <p:cTn id="26" dur="500"/>
-                                        <p:tgtEl>
-                                          <p:spTgt spid="4">
-                                            <p:txEl>
-                                              <p:pRg st="3" end="3"/>
-                                            </p:txEl>
-                                          </p:spTgt>
-                                        </p:tgtEl>
-                                      </p:cBhvr>
-                                    </p:animEffect>
-                                  </p:childTnLst>
-                                </p:cTn>
-                              </p:par>
-                              <p:par>
-                                <p:cTn id="27" presetID="10" presetClass="entr" presetSubtype="0" fill="hold" grpId="0" nodeType="withEffect">
-                                  <p:stCondLst>
-                                    <p:cond delay="0"/>
-                                  </p:stCondLst>
-                                  <p:childTnLst>
-                                    <p:set>
-                                      <p:cBhvr>
-                                        <p:cTn id="28" dur="1" fill="hold">
-                                          <p:stCondLst>
-                                            <p:cond delay="0"/>
-                                          </p:stCondLst>
-                                        </p:cTn>
-                                        <p:tgtEl>
-                                          <p:spTgt spid="4">
-                                            <p:txEl>
-                                              <p:pRg st="4" end="4"/>
-                                            </p:txEl>
-                                          </p:spTgt>
-                                        </p:tgtEl>
-                                        <p:attrNameLst>
-                                          <p:attrName>style.visibility</p:attrName>
-                                        </p:attrNameLst>
-                                      </p:cBhvr>
-                                      <p:to>
-                                        <p:strVal val="visible"/>
-                                      </p:to>
-                                    </p:set>
-                                    <p:animEffect transition="in" filter="fade">
-                                      <p:cBhvr>
-                                        <p:cTn id="29" dur="500"/>
-                                        <p:tgtEl>
-                                          <p:spTgt spid="4">
-                                            <p:txEl>
-                                              <p:pRg st="4" end="4"/>
-                                            </p:txEl>
-                                          </p:spTgt>
-                                        </p:tgtEl>
-                                      </p:cBhvr>
-                                    </p:animEffect>
-                                  </p:childTnLst>
-                                </p:cTn>
-                              </p:par>
-                            </p:childTnLst>
-                          </p:cTn>
-                        </p:par>
-                      </p:childTnLst>
-                    </p:cTn>
-                  </p:par>
-                </p:childTnLst>
-              </p:cTn>
-              <p:prevCondLst>
-                <p:cond evt="onPrev" delay="0">
-                  <p:tgtEl>
-                    <p:sldTgt/>
-                  </p:tgtEl>
-                </p:cond>
-              </p:prevCondLst>
-              <p:nextCondLst>
-                <p:cond evt="onNext" delay="0">
-                  <p:tgtEl>
-                    <p:sldTgt/>
-                  </p:tgtEl>
-                </p:cond>
-              </p:nextCondLst>
-            </p:seq>
-          </p:childTnLst>
-        </p:cTn>
-      </p:par>
-    </p:tnLst>
-    <p:bldLst>
-      <p:bldP spid="2" grpId="0" build="p"/>
-      <p:bldP spid="4" grpId="0" build="p"/>
-    </p:bldLst>
-  </p:timing>
-</p:sld>
-</file>
-
-<file path=ppt/slides/slide9.xml><?xml version="1.0" encoding="utf-8"?>
-<p:sld xmlns:a="http://schemas.openxmlformats.org/drawingml/2006/main" xmlns:r="http://schemas.openxmlformats.org/officeDocument/2006/relationships" xmlns:p="http://schemas.openxmlformats.org/presentationml/2006/main">
-  <p:cSld>
-    <p:spTree>
-      <p:nvGrpSpPr>
-        <p:cNvPr id="1" name=""/>
-        <p:cNvGrpSpPr/>
-        <p:nvPr/>
-      </p:nvGrpSpPr>
-      <p:grpSpPr>
-        <a:xfrm>
-          <a:off x="0" y="0"/>
-          <a:ext cx="0" cy="0"/>
-          <a:chOff x="0" y="0"/>
-          <a:chExt cx="0" cy="0"/>
-        </a:xfrm>
-      </p:grpSpPr>
-      <p:sp>
-        <p:nvSpPr>
-          <p:cNvPr id="5" name="Title 4"/>
-          <p:cNvSpPr>
-            <a:spLocks noGrp="1"/>
-          </p:cNvSpPr>
-          <p:nvPr>
-            <p:ph type="title"/>
-          </p:nvPr>
-        </p:nvSpPr>
-        <p:spPr/>
-        <p:txBody>
-          <a:bodyPr/>
-          <a:lstStyle/>
-          <a:p>
-            <a:r>
-              <a:rPr lang="en-US" dirty="0" smtClean="0"/>
-              <a:t>Command: Structure</a:t>
-            </a:r>
-            <a:endParaRPr lang="en-US" dirty="0"/>
-          </a:p>
-        </p:txBody>
-      </p:sp>
-      <p:pic>
-        <p:nvPicPr>
-          <p:cNvPr id="7" name="Picture 2"/>
-          <p:cNvPicPr>
-            <a:picLocks noGrp="1" noChangeAspect="1" noChangeArrowheads="1"/>
-          </p:cNvPicPr>
-          <p:nvPr>
-            <p:ph idx="1"/>
-          </p:nvPr>
-        </p:nvPicPr>
-        <p:blipFill>
-          <a:blip r:embed="rId3" cstate="print"/>
-          <a:stretch>
-            <a:fillRect/>
-          </a:stretch>
-        </p:blipFill>
-        <p:spPr bwMode="auto">
-          <a:xfrm>
-            <a:off x="2210095" y="1725957"/>
-            <a:ext cx="4723810" cy="2342858"/>
-          </a:xfrm>
-          <a:prstGeom prst="rect">
-            <a:avLst/>
-          </a:prstGeom>
-          <a:noFill/>
-          <a:ln w="9525">
-            <a:noFill/>
-            <a:miter lim="800000"/>
-            <a:headEnd/>
-            <a:tailEnd/>
-          </a:ln>
-        </p:spPr>
-      </p:pic>
-    </p:spTree>
-    <p:extLst>
-      <p:ext uri="{BB962C8B-B14F-4D97-AF65-F5344CB8AC3E}">
-        <p14:creationId xmlns:p14="http://schemas.microsoft.com/office/powerpoint/2010/main" val="2541846671"/>
-      </p:ext>
-    </p:extLst>
-  </p:cSld>
-  <p:clrMapOvr>
-    <a:masterClrMapping/>
-  </p:clrMapOvr>
-  <p:timing>
-    <p:tnLst>
-      <p:par>
-        <p:cTn id="1" dur="indefinite" restart="never" nodeType="tmRoot"/>
-      </p:par>
-    </p:tnLst>
   </p:timing>
 </p:sld>
 </file>
